--- a/assets/Concept.pptx
+++ b/assets/Concept.pptx
@@ -36,7 +36,7 @@
             <a:spLocks noGrp="1"/>
           </p:cNvSpPr>
           <p:nvPr>
-            <p:ph type="ftr" idx="2"/>
+            <p:ph type="ftr" idx="1"/>
           </p:nvPr>
         </p:nvSpPr>
         <p:spPr/>
@@ -56,14 +56,14 @@
             <a:spLocks noGrp="1"/>
           </p:cNvSpPr>
           <p:nvPr>
-            <p:ph type="sldNum" idx="3"/>
+            <p:ph type="sldNum" idx="2"/>
           </p:nvPr>
         </p:nvSpPr>
         <p:spPr/>
         <p:txBody>
           <a:bodyPr/>
           <a:p>
-            <a:fld id="{D64ACD02-599F-4EC1-B5DA-A92F2A101C33}" type="slidenum">
+            <a:fld id="{4DBD2977-D2AF-43F1-AC90-525B205CB70D}" type="slidenum">
               <a:t>&lt;#&gt;</a:t>
             </a:fld>
           </a:p>
@@ -76,7 +76,7 @@
             <a:spLocks noGrp="1"/>
           </p:cNvSpPr>
           <p:nvPr>
-            <p:ph type="dt" idx="1"/>
+            <p:ph type="dt" idx="3"/>
           </p:nvPr>
         </p:nvSpPr>
         <p:spPr/>
@@ -114,7 +114,7 @@
       </p:grpSpPr>
       <p:sp>
         <p:nvSpPr>
-          <p:cNvPr id="24" name="PlaceHolder 1"/>
+          <p:cNvPr id="26" name="PlaceHolder 1"/>
           <p:cNvSpPr>
             <a:spLocks noGrp="1"/>
           </p:cNvSpPr>
@@ -140,18 +140,18 @@
             <a:noAutofit/>
           </a:bodyPr>
           <a:p>
-            <a:endParaRPr b="0" lang="en-US" sz="1800" spc="-1" strike="noStrike">
-              <a:solidFill>
-                <a:srgbClr val="000000"/>
-              </a:solidFill>
-              <a:latin typeface="Calibri"/>
-            </a:endParaRPr>
-          </a:p>
-        </p:txBody>
-      </p:sp>
-      <p:sp>
-        <p:nvSpPr>
-          <p:cNvPr id="25" name="PlaceHolder 2"/>
+            <a:pPr algn="ctr">
+              <a:buNone/>
+            </a:pPr>
+            <a:endParaRPr b="0" lang="en-US" sz="4400" spc="-1" strike="noStrike">
+              <a:latin typeface="Arial"/>
+            </a:endParaRPr>
+          </a:p>
+        </p:txBody>
+      </p:sp>
+      <p:sp>
+        <p:nvSpPr>
+          <p:cNvPr id="27" name="PlaceHolder 2"/>
           <p:cNvSpPr>
             <a:spLocks noGrp="1"/>
           </p:cNvSpPr>
@@ -177,27 +177,15 @@
             <a:normAutofit/>
           </a:bodyPr>
           <a:p>
-            <a:pPr>
-              <a:lnSpc>
-                <a:spcPct val="90000"/>
-              </a:lnSpc>
-              <a:spcBef>
-                <a:spcPts val="1417"/>
-              </a:spcBef>
-              <a:buNone/>
-            </a:pPr>
-            <a:endParaRPr b="0" lang="en-US" sz="2800" spc="-1" strike="noStrike">
-              <a:solidFill>
-                <a:srgbClr val="000000"/>
-              </a:solidFill>
-              <a:latin typeface="Calibri"/>
-            </a:endParaRPr>
-          </a:p>
-        </p:txBody>
-      </p:sp>
-      <p:sp>
-        <p:nvSpPr>
-          <p:cNvPr id="26" name="PlaceHolder 3"/>
+            <a:endParaRPr b="0" lang="en-US" sz="3200" spc="-1" strike="noStrike">
+              <a:latin typeface="Arial"/>
+            </a:endParaRPr>
+          </a:p>
+        </p:txBody>
+      </p:sp>
+      <p:sp>
+        <p:nvSpPr>
+          <p:cNvPr id="28" name="PlaceHolder 3"/>
           <p:cNvSpPr>
             <a:spLocks noGrp="1"/>
           </p:cNvSpPr>
@@ -223,20 +211,8 @@
             <a:normAutofit/>
           </a:bodyPr>
           <a:p>
-            <a:pPr>
-              <a:lnSpc>
-                <a:spcPct val="90000"/>
-              </a:lnSpc>
-              <a:spcBef>
-                <a:spcPts val="1417"/>
-              </a:spcBef>
-              <a:buNone/>
-            </a:pPr>
-            <a:endParaRPr b="0" lang="en-US" sz="2800" spc="-1" strike="noStrike">
-              <a:solidFill>
-                <a:srgbClr val="000000"/>
-              </a:solidFill>
-              <a:latin typeface="Calibri"/>
+            <a:endParaRPr b="0" lang="en-US" sz="3200" spc="-1" strike="noStrike">
+              <a:latin typeface="Arial"/>
             </a:endParaRPr>
           </a:p>
         </p:txBody>
@@ -248,7 +224,7 @@
             <a:spLocks noGrp="1"/>
           </p:cNvSpPr>
           <p:nvPr>
-            <p:ph type="ftr" idx="2"/>
+            <p:ph type="ftr" idx="1"/>
           </p:nvPr>
         </p:nvSpPr>
         <p:spPr/>
@@ -268,14 +244,14 @@
             <a:spLocks noGrp="1"/>
           </p:cNvSpPr>
           <p:nvPr>
-            <p:ph type="sldNum" idx="3"/>
+            <p:ph type="sldNum" idx="2"/>
           </p:nvPr>
         </p:nvSpPr>
         <p:spPr/>
         <p:txBody>
           <a:bodyPr/>
           <a:p>
-            <a:fld id="{75FB579E-4690-4DFB-B6EF-05E6AC019B34}" type="slidenum">
+            <a:fld id="{DDAA3A8F-3A55-41EC-BF2F-7B987C3B38E5}" type="slidenum">
               <a:t>&lt;#&gt;</a:t>
             </a:fld>
           </a:p>
@@ -288,7 +264,7 @@
             <a:spLocks noGrp="1"/>
           </p:cNvSpPr>
           <p:nvPr>
-            <p:ph type="dt" idx="1"/>
+            <p:ph type="dt" idx="3"/>
           </p:nvPr>
         </p:nvSpPr>
         <p:spPr/>
@@ -326,7 +302,7 @@
       </p:grpSpPr>
       <p:sp>
         <p:nvSpPr>
-          <p:cNvPr id="27" name="PlaceHolder 1"/>
+          <p:cNvPr id="29" name="PlaceHolder 1"/>
           <p:cNvSpPr>
             <a:spLocks noGrp="1"/>
           </p:cNvSpPr>
@@ -352,18 +328,18 @@
             <a:noAutofit/>
           </a:bodyPr>
           <a:p>
-            <a:endParaRPr b="0" lang="en-US" sz="1800" spc="-1" strike="noStrike">
-              <a:solidFill>
-                <a:srgbClr val="000000"/>
-              </a:solidFill>
-              <a:latin typeface="Calibri"/>
-            </a:endParaRPr>
-          </a:p>
-        </p:txBody>
-      </p:sp>
-      <p:sp>
-        <p:nvSpPr>
-          <p:cNvPr id="28" name="PlaceHolder 2"/>
+            <a:pPr algn="ctr">
+              <a:buNone/>
+            </a:pPr>
+            <a:endParaRPr b="0" lang="en-US" sz="4400" spc="-1" strike="noStrike">
+              <a:latin typeface="Arial"/>
+            </a:endParaRPr>
+          </a:p>
+        </p:txBody>
+      </p:sp>
+      <p:sp>
+        <p:nvSpPr>
+          <p:cNvPr id="30" name="PlaceHolder 2"/>
           <p:cNvSpPr>
             <a:spLocks noGrp="1"/>
           </p:cNvSpPr>
@@ -389,27 +365,15 @@
             <a:normAutofit/>
           </a:bodyPr>
           <a:p>
-            <a:pPr>
-              <a:lnSpc>
-                <a:spcPct val="90000"/>
-              </a:lnSpc>
-              <a:spcBef>
-                <a:spcPts val="1417"/>
-              </a:spcBef>
-              <a:buNone/>
-            </a:pPr>
-            <a:endParaRPr b="0" lang="en-US" sz="2800" spc="-1" strike="noStrike">
-              <a:solidFill>
-                <a:srgbClr val="000000"/>
-              </a:solidFill>
-              <a:latin typeface="Calibri"/>
-            </a:endParaRPr>
-          </a:p>
-        </p:txBody>
-      </p:sp>
-      <p:sp>
-        <p:nvSpPr>
-          <p:cNvPr id="29" name="PlaceHolder 3"/>
+            <a:endParaRPr b="0" lang="en-US" sz="3200" spc="-1" strike="noStrike">
+              <a:latin typeface="Arial"/>
+            </a:endParaRPr>
+          </a:p>
+        </p:txBody>
+      </p:sp>
+      <p:sp>
+        <p:nvSpPr>
+          <p:cNvPr id="31" name="PlaceHolder 3"/>
           <p:cNvSpPr>
             <a:spLocks noGrp="1"/>
           </p:cNvSpPr>
@@ -435,27 +399,15 @@
             <a:normAutofit/>
           </a:bodyPr>
           <a:p>
-            <a:pPr>
-              <a:lnSpc>
-                <a:spcPct val="90000"/>
-              </a:lnSpc>
-              <a:spcBef>
-                <a:spcPts val="1417"/>
-              </a:spcBef>
-              <a:buNone/>
-            </a:pPr>
-            <a:endParaRPr b="0" lang="en-US" sz="2800" spc="-1" strike="noStrike">
-              <a:solidFill>
-                <a:srgbClr val="000000"/>
-              </a:solidFill>
-              <a:latin typeface="Calibri"/>
-            </a:endParaRPr>
-          </a:p>
-        </p:txBody>
-      </p:sp>
-      <p:sp>
-        <p:nvSpPr>
-          <p:cNvPr id="30" name="PlaceHolder 4"/>
+            <a:endParaRPr b="0" lang="en-US" sz="3200" spc="-1" strike="noStrike">
+              <a:latin typeface="Arial"/>
+            </a:endParaRPr>
+          </a:p>
+        </p:txBody>
+      </p:sp>
+      <p:sp>
+        <p:nvSpPr>
+          <p:cNvPr id="32" name="PlaceHolder 4"/>
           <p:cNvSpPr>
             <a:spLocks noGrp="1"/>
           </p:cNvSpPr>
@@ -481,27 +433,15 @@
             <a:normAutofit/>
           </a:bodyPr>
           <a:p>
-            <a:pPr>
-              <a:lnSpc>
-                <a:spcPct val="90000"/>
-              </a:lnSpc>
-              <a:spcBef>
-                <a:spcPts val="1417"/>
-              </a:spcBef>
-              <a:buNone/>
-            </a:pPr>
-            <a:endParaRPr b="0" lang="en-US" sz="2800" spc="-1" strike="noStrike">
-              <a:solidFill>
-                <a:srgbClr val="000000"/>
-              </a:solidFill>
-              <a:latin typeface="Calibri"/>
-            </a:endParaRPr>
-          </a:p>
-        </p:txBody>
-      </p:sp>
-      <p:sp>
-        <p:nvSpPr>
-          <p:cNvPr id="31" name="PlaceHolder 5"/>
+            <a:endParaRPr b="0" lang="en-US" sz="3200" spc="-1" strike="noStrike">
+              <a:latin typeface="Arial"/>
+            </a:endParaRPr>
+          </a:p>
+        </p:txBody>
+      </p:sp>
+      <p:sp>
+        <p:nvSpPr>
+          <p:cNvPr id="33" name="PlaceHolder 5"/>
           <p:cNvSpPr>
             <a:spLocks noGrp="1"/>
           </p:cNvSpPr>
@@ -527,20 +467,8 @@
             <a:normAutofit/>
           </a:bodyPr>
           <a:p>
-            <a:pPr>
-              <a:lnSpc>
-                <a:spcPct val="90000"/>
-              </a:lnSpc>
-              <a:spcBef>
-                <a:spcPts val="1417"/>
-              </a:spcBef>
-              <a:buNone/>
-            </a:pPr>
-            <a:endParaRPr b="0" lang="en-US" sz="2800" spc="-1" strike="noStrike">
-              <a:solidFill>
-                <a:srgbClr val="000000"/>
-              </a:solidFill>
-              <a:latin typeface="Calibri"/>
+            <a:endParaRPr b="0" lang="en-US" sz="3200" spc="-1" strike="noStrike">
+              <a:latin typeface="Arial"/>
             </a:endParaRPr>
           </a:p>
         </p:txBody>
@@ -552,7 +480,7 @@
             <a:spLocks noGrp="1"/>
           </p:cNvSpPr>
           <p:nvPr>
-            <p:ph type="ftr" idx="2"/>
+            <p:ph type="ftr" idx="1"/>
           </p:nvPr>
         </p:nvSpPr>
         <p:spPr/>
@@ -572,14 +500,14 @@
             <a:spLocks noGrp="1"/>
           </p:cNvSpPr>
           <p:nvPr>
-            <p:ph type="sldNum" idx="3"/>
+            <p:ph type="sldNum" idx="2"/>
           </p:nvPr>
         </p:nvSpPr>
         <p:spPr/>
         <p:txBody>
           <a:bodyPr/>
           <a:p>
-            <a:fld id="{93FDB18B-A50F-4918-B4F4-E15DD66A6419}" type="slidenum">
+            <a:fld id="{BC25C399-2F38-4949-924C-74BA0DD2139D}" type="slidenum">
               <a:t>&lt;#&gt;</a:t>
             </a:fld>
           </a:p>
@@ -592,7 +520,7 @@
             <a:spLocks noGrp="1"/>
           </p:cNvSpPr>
           <p:nvPr>
-            <p:ph type="dt" idx="1"/>
+            <p:ph type="dt" idx="3"/>
           </p:nvPr>
         </p:nvSpPr>
         <p:spPr/>
@@ -630,7 +558,7 @@
       </p:grpSpPr>
       <p:sp>
         <p:nvSpPr>
-          <p:cNvPr id="32" name="PlaceHolder 1"/>
+          <p:cNvPr id="34" name="PlaceHolder 1"/>
           <p:cNvSpPr>
             <a:spLocks noGrp="1"/>
           </p:cNvSpPr>
@@ -656,18 +584,18 @@
             <a:noAutofit/>
           </a:bodyPr>
           <a:p>
-            <a:endParaRPr b="0" lang="en-US" sz="1800" spc="-1" strike="noStrike">
-              <a:solidFill>
-                <a:srgbClr val="000000"/>
-              </a:solidFill>
-              <a:latin typeface="Calibri"/>
-            </a:endParaRPr>
-          </a:p>
-        </p:txBody>
-      </p:sp>
-      <p:sp>
-        <p:nvSpPr>
-          <p:cNvPr id="33" name="PlaceHolder 2"/>
+            <a:pPr algn="ctr">
+              <a:buNone/>
+            </a:pPr>
+            <a:endParaRPr b="0" lang="en-US" sz="4400" spc="-1" strike="noStrike">
+              <a:latin typeface="Arial"/>
+            </a:endParaRPr>
+          </a:p>
+        </p:txBody>
+      </p:sp>
+      <p:sp>
+        <p:nvSpPr>
+          <p:cNvPr id="35" name="PlaceHolder 2"/>
           <p:cNvSpPr>
             <a:spLocks noGrp="1"/>
           </p:cNvSpPr>
@@ -693,27 +621,15 @@
             <a:normAutofit/>
           </a:bodyPr>
           <a:p>
-            <a:pPr>
-              <a:lnSpc>
-                <a:spcPct val="90000"/>
-              </a:lnSpc>
-              <a:spcBef>
-                <a:spcPts val="1417"/>
-              </a:spcBef>
-              <a:buNone/>
-            </a:pPr>
-            <a:endParaRPr b="0" lang="en-US" sz="2800" spc="-1" strike="noStrike">
-              <a:solidFill>
-                <a:srgbClr val="000000"/>
-              </a:solidFill>
-              <a:latin typeface="Calibri"/>
-            </a:endParaRPr>
-          </a:p>
-        </p:txBody>
-      </p:sp>
-      <p:sp>
-        <p:nvSpPr>
-          <p:cNvPr id="34" name="PlaceHolder 3"/>
+            <a:endParaRPr b="0" lang="en-US" sz="3200" spc="-1" strike="noStrike">
+              <a:latin typeface="Arial"/>
+            </a:endParaRPr>
+          </a:p>
+        </p:txBody>
+      </p:sp>
+      <p:sp>
+        <p:nvSpPr>
+          <p:cNvPr id="36" name="PlaceHolder 3"/>
           <p:cNvSpPr>
             <a:spLocks noGrp="1"/>
           </p:cNvSpPr>
@@ -739,27 +655,15 @@
             <a:normAutofit/>
           </a:bodyPr>
           <a:p>
-            <a:pPr>
-              <a:lnSpc>
-                <a:spcPct val="90000"/>
-              </a:lnSpc>
-              <a:spcBef>
-                <a:spcPts val="1417"/>
-              </a:spcBef>
-              <a:buNone/>
-            </a:pPr>
-            <a:endParaRPr b="0" lang="en-US" sz="2800" spc="-1" strike="noStrike">
-              <a:solidFill>
-                <a:srgbClr val="000000"/>
-              </a:solidFill>
-              <a:latin typeface="Calibri"/>
-            </a:endParaRPr>
-          </a:p>
-        </p:txBody>
-      </p:sp>
-      <p:sp>
-        <p:nvSpPr>
-          <p:cNvPr id="35" name="PlaceHolder 4"/>
+            <a:endParaRPr b="0" lang="en-US" sz="3200" spc="-1" strike="noStrike">
+              <a:latin typeface="Arial"/>
+            </a:endParaRPr>
+          </a:p>
+        </p:txBody>
+      </p:sp>
+      <p:sp>
+        <p:nvSpPr>
+          <p:cNvPr id="37" name="PlaceHolder 4"/>
           <p:cNvSpPr>
             <a:spLocks noGrp="1"/>
           </p:cNvSpPr>
@@ -785,27 +689,15 @@
             <a:normAutofit/>
           </a:bodyPr>
           <a:p>
-            <a:pPr>
-              <a:lnSpc>
-                <a:spcPct val="90000"/>
-              </a:lnSpc>
-              <a:spcBef>
-                <a:spcPts val="1417"/>
-              </a:spcBef>
-              <a:buNone/>
-            </a:pPr>
-            <a:endParaRPr b="0" lang="en-US" sz="2800" spc="-1" strike="noStrike">
-              <a:solidFill>
-                <a:srgbClr val="000000"/>
-              </a:solidFill>
-              <a:latin typeface="Calibri"/>
-            </a:endParaRPr>
-          </a:p>
-        </p:txBody>
-      </p:sp>
-      <p:sp>
-        <p:nvSpPr>
-          <p:cNvPr id="36" name="PlaceHolder 5"/>
+            <a:endParaRPr b="0" lang="en-US" sz="3200" spc="-1" strike="noStrike">
+              <a:latin typeface="Arial"/>
+            </a:endParaRPr>
+          </a:p>
+        </p:txBody>
+      </p:sp>
+      <p:sp>
+        <p:nvSpPr>
+          <p:cNvPr id="38" name="PlaceHolder 5"/>
           <p:cNvSpPr>
             <a:spLocks noGrp="1"/>
           </p:cNvSpPr>
@@ -831,27 +723,15 @@
             <a:normAutofit/>
           </a:bodyPr>
           <a:p>
-            <a:pPr>
-              <a:lnSpc>
-                <a:spcPct val="90000"/>
-              </a:lnSpc>
-              <a:spcBef>
-                <a:spcPts val="1417"/>
-              </a:spcBef>
-              <a:buNone/>
-            </a:pPr>
-            <a:endParaRPr b="0" lang="en-US" sz="2800" spc="-1" strike="noStrike">
-              <a:solidFill>
-                <a:srgbClr val="000000"/>
-              </a:solidFill>
-              <a:latin typeface="Calibri"/>
-            </a:endParaRPr>
-          </a:p>
-        </p:txBody>
-      </p:sp>
-      <p:sp>
-        <p:nvSpPr>
-          <p:cNvPr id="37" name="PlaceHolder 6"/>
+            <a:endParaRPr b="0" lang="en-US" sz="3200" spc="-1" strike="noStrike">
+              <a:latin typeface="Arial"/>
+            </a:endParaRPr>
+          </a:p>
+        </p:txBody>
+      </p:sp>
+      <p:sp>
+        <p:nvSpPr>
+          <p:cNvPr id="39" name="PlaceHolder 6"/>
           <p:cNvSpPr>
             <a:spLocks noGrp="1"/>
           </p:cNvSpPr>
@@ -877,27 +757,15 @@
             <a:normAutofit/>
           </a:bodyPr>
           <a:p>
-            <a:pPr>
-              <a:lnSpc>
-                <a:spcPct val="90000"/>
-              </a:lnSpc>
-              <a:spcBef>
-                <a:spcPts val="1417"/>
-              </a:spcBef>
-              <a:buNone/>
-            </a:pPr>
-            <a:endParaRPr b="0" lang="en-US" sz="2800" spc="-1" strike="noStrike">
-              <a:solidFill>
-                <a:srgbClr val="000000"/>
-              </a:solidFill>
-              <a:latin typeface="Calibri"/>
-            </a:endParaRPr>
-          </a:p>
-        </p:txBody>
-      </p:sp>
-      <p:sp>
-        <p:nvSpPr>
-          <p:cNvPr id="38" name="PlaceHolder 7"/>
+            <a:endParaRPr b="0" lang="en-US" sz="3200" spc="-1" strike="noStrike">
+              <a:latin typeface="Arial"/>
+            </a:endParaRPr>
+          </a:p>
+        </p:txBody>
+      </p:sp>
+      <p:sp>
+        <p:nvSpPr>
+          <p:cNvPr id="40" name="PlaceHolder 7"/>
           <p:cNvSpPr>
             <a:spLocks noGrp="1"/>
           </p:cNvSpPr>
@@ -923,20 +791,8 @@
             <a:normAutofit/>
           </a:bodyPr>
           <a:p>
-            <a:pPr>
-              <a:lnSpc>
-                <a:spcPct val="90000"/>
-              </a:lnSpc>
-              <a:spcBef>
-                <a:spcPts val="1417"/>
-              </a:spcBef>
-              <a:buNone/>
-            </a:pPr>
-            <a:endParaRPr b="0" lang="en-US" sz="2800" spc="-1" strike="noStrike">
-              <a:solidFill>
-                <a:srgbClr val="000000"/>
-              </a:solidFill>
-              <a:latin typeface="Calibri"/>
+            <a:endParaRPr b="0" lang="en-US" sz="3200" spc="-1" strike="noStrike">
+              <a:latin typeface="Arial"/>
             </a:endParaRPr>
           </a:p>
         </p:txBody>
@@ -948,7 +804,7 @@
             <a:spLocks noGrp="1"/>
           </p:cNvSpPr>
           <p:nvPr>
-            <p:ph type="ftr" idx="2"/>
+            <p:ph type="ftr" idx="1"/>
           </p:nvPr>
         </p:nvSpPr>
         <p:spPr/>
@@ -968,14 +824,14 @@
             <a:spLocks noGrp="1"/>
           </p:cNvSpPr>
           <p:nvPr>
-            <p:ph type="sldNum" idx="3"/>
+            <p:ph type="sldNum" idx="2"/>
           </p:nvPr>
         </p:nvSpPr>
         <p:spPr/>
         <p:txBody>
           <a:bodyPr/>
           <a:p>
-            <a:fld id="{E234AA7E-C6CE-4F05-ADA7-4D3447D24A60}" type="slidenum">
+            <a:fld id="{208531E6-7182-42CA-A65B-E2B9E94B35CC}" type="slidenum">
               <a:t>&lt;#&gt;</a:t>
             </a:fld>
           </a:p>
@@ -988,7 +844,7 @@
             <a:spLocks noGrp="1"/>
           </p:cNvSpPr>
           <p:nvPr>
-            <p:ph type="dt" idx="1"/>
+            <p:ph type="dt" idx="3"/>
           </p:nvPr>
         </p:nvSpPr>
         <p:spPr/>
@@ -1026,7 +882,7 @@
       </p:grpSpPr>
       <p:sp>
         <p:nvSpPr>
-          <p:cNvPr id="3" name="PlaceHolder 1"/>
+          <p:cNvPr id="5" name="PlaceHolder 1"/>
           <p:cNvSpPr>
             <a:spLocks noGrp="1"/>
           </p:cNvSpPr>
@@ -1052,18 +908,18 @@
             <a:noAutofit/>
           </a:bodyPr>
           <a:p>
-            <a:endParaRPr b="0" lang="en-US" sz="1800" spc="-1" strike="noStrike">
-              <a:solidFill>
-                <a:srgbClr val="000000"/>
-              </a:solidFill>
-              <a:latin typeface="Calibri"/>
-            </a:endParaRPr>
-          </a:p>
-        </p:txBody>
-      </p:sp>
-      <p:sp>
-        <p:nvSpPr>
-          <p:cNvPr id="4" name="PlaceHolder 2"/>
+            <a:pPr algn="ctr">
+              <a:buNone/>
+            </a:pPr>
+            <a:endParaRPr b="0" lang="en-US" sz="4400" spc="-1" strike="noStrike">
+              <a:latin typeface="Arial"/>
+            </a:endParaRPr>
+          </a:p>
+        </p:txBody>
+      </p:sp>
+      <p:sp>
+        <p:nvSpPr>
+          <p:cNvPr id="6" name="PlaceHolder 2"/>
           <p:cNvSpPr>
             <a:spLocks noGrp="1"/>
           </p:cNvSpPr>
@@ -1105,7 +961,7 @@
             <a:spLocks noGrp="1"/>
           </p:cNvSpPr>
           <p:nvPr>
-            <p:ph type="ftr" idx="2"/>
+            <p:ph type="ftr" idx="1"/>
           </p:nvPr>
         </p:nvSpPr>
         <p:spPr/>
@@ -1125,14 +981,14 @@
             <a:spLocks noGrp="1"/>
           </p:cNvSpPr>
           <p:nvPr>
-            <p:ph type="sldNum" idx="3"/>
+            <p:ph type="sldNum" idx="2"/>
           </p:nvPr>
         </p:nvSpPr>
         <p:spPr/>
         <p:txBody>
           <a:bodyPr/>
           <a:p>
-            <a:fld id="{22A290AD-F1AA-4B09-9AF0-B57444879DD2}" type="slidenum">
+            <a:fld id="{5271FE90-407E-4A06-9D08-F9D1994CED61}" type="slidenum">
               <a:t>&lt;#&gt;</a:t>
             </a:fld>
           </a:p>
@@ -1145,7 +1001,7 @@
             <a:spLocks noGrp="1"/>
           </p:cNvSpPr>
           <p:nvPr>
-            <p:ph type="dt" idx="1"/>
+            <p:ph type="dt" idx="3"/>
           </p:nvPr>
         </p:nvSpPr>
         <p:spPr/>
@@ -1183,7 +1039,7 @@
       </p:grpSpPr>
       <p:sp>
         <p:nvSpPr>
-          <p:cNvPr id="5" name="PlaceHolder 1"/>
+          <p:cNvPr id="7" name="PlaceHolder 1"/>
           <p:cNvSpPr>
             <a:spLocks noGrp="1"/>
           </p:cNvSpPr>
@@ -1209,18 +1065,18 @@
             <a:noAutofit/>
           </a:bodyPr>
           <a:p>
-            <a:endParaRPr b="0" lang="en-US" sz="1800" spc="-1" strike="noStrike">
-              <a:solidFill>
-                <a:srgbClr val="000000"/>
-              </a:solidFill>
-              <a:latin typeface="Calibri"/>
-            </a:endParaRPr>
-          </a:p>
-        </p:txBody>
-      </p:sp>
-      <p:sp>
-        <p:nvSpPr>
-          <p:cNvPr id="6" name="PlaceHolder 2"/>
+            <a:pPr algn="ctr">
+              <a:buNone/>
+            </a:pPr>
+            <a:endParaRPr b="0" lang="en-US" sz="4400" spc="-1" strike="noStrike">
+              <a:latin typeface="Arial"/>
+            </a:endParaRPr>
+          </a:p>
+        </p:txBody>
+      </p:sp>
+      <p:sp>
+        <p:nvSpPr>
+          <p:cNvPr id="8" name="PlaceHolder 2"/>
           <p:cNvSpPr>
             <a:spLocks noGrp="1"/>
           </p:cNvSpPr>
@@ -1246,20 +1102,8 @@
             <a:normAutofit/>
           </a:bodyPr>
           <a:p>
-            <a:pPr>
-              <a:lnSpc>
-                <a:spcPct val="90000"/>
-              </a:lnSpc>
-              <a:spcBef>
-                <a:spcPts val="1417"/>
-              </a:spcBef>
-              <a:buNone/>
-            </a:pPr>
-            <a:endParaRPr b="0" lang="en-US" sz="2800" spc="-1" strike="noStrike">
-              <a:solidFill>
-                <a:srgbClr val="000000"/>
-              </a:solidFill>
-              <a:latin typeface="Calibri"/>
+            <a:endParaRPr b="0" lang="en-US" sz="3200" spc="-1" strike="noStrike">
+              <a:latin typeface="Arial"/>
             </a:endParaRPr>
           </a:p>
         </p:txBody>
@@ -1271,7 +1115,7 @@
             <a:spLocks noGrp="1"/>
           </p:cNvSpPr>
           <p:nvPr>
-            <p:ph type="ftr" idx="2"/>
+            <p:ph type="ftr" idx="1"/>
           </p:nvPr>
         </p:nvSpPr>
         <p:spPr/>
@@ -1291,14 +1135,14 @@
             <a:spLocks noGrp="1"/>
           </p:cNvSpPr>
           <p:nvPr>
-            <p:ph type="sldNum" idx="3"/>
+            <p:ph type="sldNum" idx="2"/>
           </p:nvPr>
         </p:nvSpPr>
         <p:spPr/>
         <p:txBody>
           <a:bodyPr/>
           <a:p>
-            <a:fld id="{2E9F3B8F-0667-41CC-AA08-EA5BEEA76437}" type="slidenum">
+            <a:fld id="{784B22D3-8218-4B3C-8036-A727F249F497}" type="slidenum">
               <a:t>&lt;#&gt;</a:t>
             </a:fld>
           </a:p>
@@ -1311,7 +1155,7 @@
             <a:spLocks noGrp="1"/>
           </p:cNvSpPr>
           <p:nvPr>
-            <p:ph type="dt" idx="1"/>
+            <p:ph type="dt" idx="3"/>
           </p:nvPr>
         </p:nvSpPr>
         <p:spPr/>
@@ -1349,7 +1193,7 @@
       </p:grpSpPr>
       <p:sp>
         <p:nvSpPr>
-          <p:cNvPr id="7" name="PlaceHolder 1"/>
+          <p:cNvPr id="9" name="PlaceHolder 1"/>
           <p:cNvSpPr>
             <a:spLocks noGrp="1"/>
           </p:cNvSpPr>
@@ -1375,18 +1219,18 @@
             <a:noAutofit/>
           </a:bodyPr>
           <a:p>
-            <a:endParaRPr b="0" lang="en-US" sz="1800" spc="-1" strike="noStrike">
-              <a:solidFill>
-                <a:srgbClr val="000000"/>
-              </a:solidFill>
-              <a:latin typeface="Calibri"/>
-            </a:endParaRPr>
-          </a:p>
-        </p:txBody>
-      </p:sp>
-      <p:sp>
-        <p:nvSpPr>
-          <p:cNvPr id="8" name="PlaceHolder 2"/>
+            <a:pPr algn="ctr">
+              <a:buNone/>
+            </a:pPr>
+            <a:endParaRPr b="0" lang="en-US" sz="4400" spc="-1" strike="noStrike">
+              <a:latin typeface="Arial"/>
+            </a:endParaRPr>
+          </a:p>
+        </p:txBody>
+      </p:sp>
+      <p:sp>
+        <p:nvSpPr>
+          <p:cNvPr id="10" name="PlaceHolder 2"/>
           <p:cNvSpPr>
             <a:spLocks noGrp="1"/>
           </p:cNvSpPr>
@@ -1412,27 +1256,15 @@
             <a:normAutofit/>
           </a:bodyPr>
           <a:p>
-            <a:pPr>
-              <a:lnSpc>
-                <a:spcPct val="90000"/>
-              </a:lnSpc>
-              <a:spcBef>
-                <a:spcPts val="1417"/>
-              </a:spcBef>
-              <a:buNone/>
-            </a:pPr>
-            <a:endParaRPr b="0" lang="en-US" sz="2800" spc="-1" strike="noStrike">
-              <a:solidFill>
-                <a:srgbClr val="000000"/>
-              </a:solidFill>
-              <a:latin typeface="Calibri"/>
-            </a:endParaRPr>
-          </a:p>
-        </p:txBody>
-      </p:sp>
-      <p:sp>
-        <p:nvSpPr>
-          <p:cNvPr id="9" name="PlaceHolder 3"/>
+            <a:endParaRPr b="0" lang="en-US" sz="3200" spc="-1" strike="noStrike">
+              <a:latin typeface="Arial"/>
+            </a:endParaRPr>
+          </a:p>
+        </p:txBody>
+      </p:sp>
+      <p:sp>
+        <p:nvSpPr>
+          <p:cNvPr id="11" name="PlaceHolder 3"/>
           <p:cNvSpPr>
             <a:spLocks noGrp="1"/>
           </p:cNvSpPr>
@@ -1458,20 +1290,8 @@
             <a:normAutofit/>
           </a:bodyPr>
           <a:p>
-            <a:pPr>
-              <a:lnSpc>
-                <a:spcPct val="90000"/>
-              </a:lnSpc>
-              <a:spcBef>
-                <a:spcPts val="1417"/>
-              </a:spcBef>
-              <a:buNone/>
-            </a:pPr>
-            <a:endParaRPr b="0" lang="en-US" sz="2800" spc="-1" strike="noStrike">
-              <a:solidFill>
-                <a:srgbClr val="000000"/>
-              </a:solidFill>
-              <a:latin typeface="Calibri"/>
+            <a:endParaRPr b="0" lang="en-US" sz="3200" spc="-1" strike="noStrike">
+              <a:latin typeface="Arial"/>
             </a:endParaRPr>
           </a:p>
         </p:txBody>
@@ -1483,7 +1303,7 @@
             <a:spLocks noGrp="1"/>
           </p:cNvSpPr>
           <p:nvPr>
-            <p:ph type="ftr" idx="2"/>
+            <p:ph type="ftr" idx="1"/>
           </p:nvPr>
         </p:nvSpPr>
         <p:spPr/>
@@ -1503,14 +1323,14 @@
             <a:spLocks noGrp="1"/>
           </p:cNvSpPr>
           <p:nvPr>
-            <p:ph type="sldNum" idx="3"/>
+            <p:ph type="sldNum" idx="2"/>
           </p:nvPr>
         </p:nvSpPr>
         <p:spPr/>
         <p:txBody>
           <a:bodyPr/>
           <a:p>
-            <a:fld id="{BE4A615A-7A97-4C29-B0EF-39BA720FF578}" type="slidenum">
+            <a:fld id="{7ACDC826-5B38-40EB-A7F8-7200B4A880F0}" type="slidenum">
               <a:t>&lt;#&gt;</a:t>
             </a:fld>
           </a:p>
@@ -1523,7 +1343,7 @@
             <a:spLocks noGrp="1"/>
           </p:cNvSpPr>
           <p:nvPr>
-            <p:ph type="dt" idx="1"/>
+            <p:ph type="dt" idx="3"/>
           </p:nvPr>
         </p:nvSpPr>
         <p:spPr/>
@@ -1561,7 +1381,7 @@
       </p:grpSpPr>
       <p:sp>
         <p:nvSpPr>
-          <p:cNvPr id="10" name="PlaceHolder 1"/>
+          <p:cNvPr id="12" name="PlaceHolder 1"/>
           <p:cNvSpPr>
             <a:spLocks noGrp="1"/>
           </p:cNvSpPr>
@@ -1587,11 +1407,11 @@
             <a:noAutofit/>
           </a:bodyPr>
           <a:p>
-            <a:endParaRPr b="0" lang="en-US" sz="1800" spc="-1" strike="noStrike">
-              <a:solidFill>
-                <a:srgbClr val="000000"/>
-              </a:solidFill>
-              <a:latin typeface="Calibri"/>
+            <a:pPr algn="ctr">
+              <a:buNone/>
+            </a:pPr>
+            <a:endParaRPr b="0" lang="en-US" sz="4400" spc="-1" strike="noStrike">
+              <a:latin typeface="Arial"/>
             </a:endParaRPr>
           </a:p>
         </p:txBody>
@@ -1603,7 +1423,7 @@
             <a:spLocks noGrp="1"/>
           </p:cNvSpPr>
           <p:nvPr>
-            <p:ph type="ftr" idx="2"/>
+            <p:ph type="ftr" idx="1"/>
           </p:nvPr>
         </p:nvSpPr>
         <p:spPr/>
@@ -1623,14 +1443,14 @@
             <a:spLocks noGrp="1"/>
           </p:cNvSpPr>
           <p:nvPr>
-            <p:ph type="sldNum" idx="3"/>
+            <p:ph type="sldNum" idx="2"/>
           </p:nvPr>
         </p:nvSpPr>
         <p:spPr/>
         <p:txBody>
           <a:bodyPr/>
           <a:p>
-            <a:fld id="{0DEA0D81-79DE-4B82-B95D-65091A5175D3}" type="slidenum">
+            <a:fld id="{E8E27B3F-31D2-42C4-AEE8-BE9211A82B27}" type="slidenum">
               <a:t>&lt;#&gt;</a:t>
             </a:fld>
           </a:p>
@@ -1643,7 +1463,7 @@
             <a:spLocks noGrp="1"/>
           </p:cNvSpPr>
           <p:nvPr>
-            <p:ph type="dt" idx="1"/>
+            <p:ph type="dt" idx="3"/>
           </p:nvPr>
         </p:nvSpPr>
         <p:spPr/>
@@ -1681,7 +1501,7 @@
       </p:grpSpPr>
       <p:sp>
         <p:nvSpPr>
-          <p:cNvPr id="11" name="PlaceHolder 1"/>
+          <p:cNvPr id="13" name="PlaceHolder 1"/>
           <p:cNvSpPr>
             <a:spLocks noGrp="1"/>
           </p:cNvSpPr>
@@ -1723,7 +1543,7 @@
             <a:spLocks noGrp="1"/>
           </p:cNvSpPr>
           <p:nvPr>
-            <p:ph type="ftr" idx="2"/>
+            <p:ph type="ftr" idx="1"/>
           </p:nvPr>
         </p:nvSpPr>
         <p:spPr/>
@@ -1743,14 +1563,14 @@
             <a:spLocks noGrp="1"/>
           </p:cNvSpPr>
           <p:nvPr>
-            <p:ph type="sldNum" idx="3"/>
+            <p:ph type="sldNum" idx="2"/>
           </p:nvPr>
         </p:nvSpPr>
         <p:spPr/>
         <p:txBody>
           <a:bodyPr/>
           <a:p>
-            <a:fld id="{104E3DAE-47FE-4D93-AEAD-C1F07D7E63A1}" type="slidenum">
+            <a:fld id="{426AFA4F-4B15-4291-9374-953719CCD5E9}" type="slidenum">
               <a:t>&lt;#&gt;</a:t>
             </a:fld>
           </a:p>
@@ -1763,7 +1583,7 @@
             <a:spLocks noGrp="1"/>
           </p:cNvSpPr>
           <p:nvPr>
-            <p:ph type="dt" idx="1"/>
+            <p:ph type="dt" idx="3"/>
           </p:nvPr>
         </p:nvSpPr>
         <p:spPr/>
@@ -1801,7 +1621,7 @@
       </p:grpSpPr>
       <p:sp>
         <p:nvSpPr>
-          <p:cNvPr id="12" name="PlaceHolder 1"/>
+          <p:cNvPr id="14" name="PlaceHolder 1"/>
           <p:cNvSpPr>
             <a:spLocks noGrp="1"/>
           </p:cNvSpPr>
@@ -1827,18 +1647,18 @@
             <a:noAutofit/>
           </a:bodyPr>
           <a:p>
-            <a:endParaRPr b="0" lang="en-US" sz="1800" spc="-1" strike="noStrike">
-              <a:solidFill>
-                <a:srgbClr val="000000"/>
-              </a:solidFill>
-              <a:latin typeface="Calibri"/>
-            </a:endParaRPr>
-          </a:p>
-        </p:txBody>
-      </p:sp>
-      <p:sp>
-        <p:nvSpPr>
-          <p:cNvPr id="13" name="PlaceHolder 2"/>
+            <a:pPr algn="ctr">
+              <a:buNone/>
+            </a:pPr>
+            <a:endParaRPr b="0" lang="en-US" sz="4400" spc="-1" strike="noStrike">
+              <a:latin typeface="Arial"/>
+            </a:endParaRPr>
+          </a:p>
+        </p:txBody>
+      </p:sp>
+      <p:sp>
+        <p:nvSpPr>
+          <p:cNvPr id="15" name="PlaceHolder 2"/>
           <p:cNvSpPr>
             <a:spLocks noGrp="1"/>
           </p:cNvSpPr>
@@ -1864,27 +1684,15 @@
             <a:normAutofit/>
           </a:bodyPr>
           <a:p>
-            <a:pPr>
-              <a:lnSpc>
-                <a:spcPct val="90000"/>
-              </a:lnSpc>
-              <a:spcBef>
-                <a:spcPts val="1417"/>
-              </a:spcBef>
-              <a:buNone/>
-            </a:pPr>
-            <a:endParaRPr b="0" lang="en-US" sz="2800" spc="-1" strike="noStrike">
-              <a:solidFill>
-                <a:srgbClr val="000000"/>
-              </a:solidFill>
-              <a:latin typeface="Calibri"/>
-            </a:endParaRPr>
-          </a:p>
-        </p:txBody>
-      </p:sp>
-      <p:sp>
-        <p:nvSpPr>
-          <p:cNvPr id="14" name="PlaceHolder 3"/>
+            <a:endParaRPr b="0" lang="en-US" sz="3200" spc="-1" strike="noStrike">
+              <a:latin typeface="Arial"/>
+            </a:endParaRPr>
+          </a:p>
+        </p:txBody>
+      </p:sp>
+      <p:sp>
+        <p:nvSpPr>
+          <p:cNvPr id="16" name="PlaceHolder 3"/>
           <p:cNvSpPr>
             <a:spLocks noGrp="1"/>
           </p:cNvSpPr>
@@ -1910,27 +1718,15 @@
             <a:normAutofit/>
           </a:bodyPr>
           <a:p>
-            <a:pPr>
-              <a:lnSpc>
-                <a:spcPct val="90000"/>
-              </a:lnSpc>
-              <a:spcBef>
-                <a:spcPts val="1417"/>
-              </a:spcBef>
-              <a:buNone/>
-            </a:pPr>
-            <a:endParaRPr b="0" lang="en-US" sz="2800" spc="-1" strike="noStrike">
-              <a:solidFill>
-                <a:srgbClr val="000000"/>
-              </a:solidFill>
-              <a:latin typeface="Calibri"/>
-            </a:endParaRPr>
-          </a:p>
-        </p:txBody>
-      </p:sp>
-      <p:sp>
-        <p:nvSpPr>
-          <p:cNvPr id="15" name="PlaceHolder 4"/>
+            <a:endParaRPr b="0" lang="en-US" sz="3200" spc="-1" strike="noStrike">
+              <a:latin typeface="Arial"/>
+            </a:endParaRPr>
+          </a:p>
+        </p:txBody>
+      </p:sp>
+      <p:sp>
+        <p:nvSpPr>
+          <p:cNvPr id="17" name="PlaceHolder 4"/>
           <p:cNvSpPr>
             <a:spLocks noGrp="1"/>
           </p:cNvSpPr>
@@ -1956,20 +1752,8 @@
             <a:normAutofit/>
           </a:bodyPr>
           <a:p>
-            <a:pPr>
-              <a:lnSpc>
-                <a:spcPct val="90000"/>
-              </a:lnSpc>
-              <a:spcBef>
-                <a:spcPts val="1417"/>
-              </a:spcBef>
-              <a:buNone/>
-            </a:pPr>
-            <a:endParaRPr b="0" lang="en-US" sz="2800" spc="-1" strike="noStrike">
-              <a:solidFill>
-                <a:srgbClr val="000000"/>
-              </a:solidFill>
-              <a:latin typeface="Calibri"/>
+            <a:endParaRPr b="0" lang="en-US" sz="3200" spc="-1" strike="noStrike">
+              <a:latin typeface="Arial"/>
             </a:endParaRPr>
           </a:p>
         </p:txBody>
@@ -1981,7 +1765,7 @@
             <a:spLocks noGrp="1"/>
           </p:cNvSpPr>
           <p:nvPr>
-            <p:ph type="ftr" idx="2"/>
+            <p:ph type="ftr" idx="1"/>
           </p:nvPr>
         </p:nvSpPr>
         <p:spPr/>
@@ -2001,14 +1785,14 @@
             <a:spLocks noGrp="1"/>
           </p:cNvSpPr>
           <p:nvPr>
-            <p:ph type="sldNum" idx="3"/>
+            <p:ph type="sldNum" idx="2"/>
           </p:nvPr>
         </p:nvSpPr>
         <p:spPr/>
         <p:txBody>
           <a:bodyPr/>
           <a:p>
-            <a:fld id="{69F355B7-6333-4380-B804-1832996AF3B3}" type="slidenum">
+            <a:fld id="{9C8DB52D-0481-4017-A5F9-2EAE8B7F34F3}" type="slidenum">
               <a:t>&lt;#&gt;</a:t>
             </a:fld>
           </a:p>
@@ -2021,7 +1805,7 @@
             <a:spLocks noGrp="1"/>
           </p:cNvSpPr>
           <p:nvPr>
-            <p:ph type="dt" idx="1"/>
+            <p:ph type="dt" idx="3"/>
           </p:nvPr>
         </p:nvSpPr>
         <p:spPr/>
@@ -2059,7 +1843,7 @@
       </p:grpSpPr>
       <p:sp>
         <p:nvSpPr>
-          <p:cNvPr id="16" name="PlaceHolder 1"/>
+          <p:cNvPr id="18" name="PlaceHolder 1"/>
           <p:cNvSpPr>
             <a:spLocks noGrp="1"/>
           </p:cNvSpPr>
@@ -2085,18 +1869,18 @@
             <a:noAutofit/>
           </a:bodyPr>
           <a:p>
-            <a:endParaRPr b="0" lang="en-US" sz="1800" spc="-1" strike="noStrike">
-              <a:solidFill>
-                <a:srgbClr val="000000"/>
-              </a:solidFill>
-              <a:latin typeface="Calibri"/>
-            </a:endParaRPr>
-          </a:p>
-        </p:txBody>
-      </p:sp>
-      <p:sp>
-        <p:nvSpPr>
-          <p:cNvPr id="17" name="PlaceHolder 2"/>
+            <a:pPr algn="ctr">
+              <a:buNone/>
+            </a:pPr>
+            <a:endParaRPr b="0" lang="en-US" sz="4400" spc="-1" strike="noStrike">
+              <a:latin typeface="Arial"/>
+            </a:endParaRPr>
+          </a:p>
+        </p:txBody>
+      </p:sp>
+      <p:sp>
+        <p:nvSpPr>
+          <p:cNvPr id="19" name="PlaceHolder 2"/>
           <p:cNvSpPr>
             <a:spLocks noGrp="1"/>
           </p:cNvSpPr>
@@ -2122,27 +1906,15 @@
             <a:normAutofit/>
           </a:bodyPr>
           <a:p>
-            <a:pPr>
-              <a:lnSpc>
-                <a:spcPct val="90000"/>
-              </a:lnSpc>
-              <a:spcBef>
-                <a:spcPts val="1417"/>
-              </a:spcBef>
-              <a:buNone/>
-            </a:pPr>
-            <a:endParaRPr b="0" lang="en-US" sz="2800" spc="-1" strike="noStrike">
-              <a:solidFill>
-                <a:srgbClr val="000000"/>
-              </a:solidFill>
-              <a:latin typeface="Calibri"/>
-            </a:endParaRPr>
-          </a:p>
-        </p:txBody>
-      </p:sp>
-      <p:sp>
-        <p:nvSpPr>
-          <p:cNvPr id="18" name="PlaceHolder 3"/>
+            <a:endParaRPr b="0" lang="en-US" sz="3200" spc="-1" strike="noStrike">
+              <a:latin typeface="Arial"/>
+            </a:endParaRPr>
+          </a:p>
+        </p:txBody>
+      </p:sp>
+      <p:sp>
+        <p:nvSpPr>
+          <p:cNvPr id="20" name="PlaceHolder 3"/>
           <p:cNvSpPr>
             <a:spLocks noGrp="1"/>
           </p:cNvSpPr>
@@ -2168,27 +1940,15 @@
             <a:normAutofit/>
           </a:bodyPr>
           <a:p>
-            <a:pPr>
-              <a:lnSpc>
-                <a:spcPct val="90000"/>
-              </a:lnSpc>
-              <a:spcBef>
-                <a:spcPts val="1417"/>
-              </a:spcBef>
-              <a:buNone/>
-            </a:pPr>
-            <a:endParaRPr b="0" lang="en-US" sz="2800" spc="-1" strike="noStrike">
-              <a:solidFill>
-                <a:srgbClr val="000000"/>
-              </a:solidFill>
-              <a:latin typeface="Calibri"/>
-            </a:endParaRPr>
-          </a:p>
-        </p:txBody>
-      </p:sp>
-      <p:sp>
-        <p:nvSpPr>
-          <p:cNvPr id="19" name="PlaceHolder 4"/>
+            <a:endParaRPr b="0" lang="en-US" sz="3200" spc="-1" strike="noStrike">
+              <a:latin typeface="Arial"/>
+            </a:endParaRPr>
+          </a:p>
+        </p:txBody>
+      </p:sp>
+      <p:sp>
+        <p:nvSpPr>
+          <p:cNvPr id="21" name="PlaceHolder 4"/>
           <p:cNvSpPr>
             <a:spLocks noGrp="1"/>
           </p:cNvSpPr>
@@ -2214,20 +1974,8 @@
             <a:normAutofit/>
           </a:bodyPr>
           <a:p>
-            <a:pPr>
-              <a:lnSpc>
-                <a:spcPct val="90000"/>
-              </a:lnSpc>
-              <a:spcBef>
-                <a:spcPts val="1417"/>
-              </a:spcBef>
-              <a:buNone/>
-            </a:pPr>
-            <a:endParaRPr b="0" lang="en-US" sz="2800" spc="-1" strike="noStrike">
-              <a:solidFill>
-                <a:srgbClr val="000000"/>
-              </a:solidFill>
-              <a:latin typeface="Calibri"/>
+            <a:endParaRPr b="0" lang="en-US" sz="3200" spc="-1" strike="noStrike">
+              <a:latin typeface="Arial"/>
             </a:endParaRPr>
           </a:p>
         </p:txBody>
@@ -2239,7 +1987,7 @@
             <a:spLocks noGrp="1"/>
           </p:cNvSpPr>
           <p:nvPr>
-            <p:ph type="ftr" idx="2"/>
+            <p:ph type="ftr" idx="1"/>
           </p:nvPr>
         </p:nvSpPr>
         <p:spPr/>
@@ -2259,14 +2007,14 @@
             <a:spLocks noGrp="1"/>
           </p:cNvSpPr>
           <p:nvPr>
-            <p:ph type="sldNum" idx="3"/>
+            <p:ph type="sldNum" idx="2"/>
           </p:nvPr>
         </p:nvSpPr>
         <p:spPr/>
         <p:txBody>
           <a:bodyPr/>
           <a:p>
-            <a:fld id="{3728CED2-C0E9-4DBA-BE76-8A444A22827F}" type="slidenum">
+            <a:fld id="{1CD3E18B-5E3F-430E-BA0D-08F86D16C19E}" type="slidenum">
               <a:t>&lt;#&gt;</a:t>
             </a:fld>
           </a:p>
@@ -2279,7 +2027,7 @@
             <a:spLocks noGrp="1"/>
           </p:cNvSpPr>
           <p:nvPr>
-            <p:ph type="dt" idx="1"/>
+            <p:ph type="dt" idx="3"/>
           </p:nvPr>
         </p:nvSpPr>
         <p:spPr/>
@@ -2317,7 +2065,7 @@
       </p:grpSpPr>
       <p:sp>
         <p:nvSpPr>
-          <p:cNvPr id="20" name="PlaceHolder 1"/>
+          <p:cNvPr id="22" name="PlaceHolder 1"/>
           <p:cNvSpPr>
             <a:spLocks noGrp="1"/>
           </p:cNvSpPr>
@@ -2343,18 +2091,18 @@
             <a:noAutofit/>
           </a:bodyPr>
           <a:p>
-            <a:endParaRPr b="0" lang="en-US" sz="1800" spc="-1" strike="noStrike">
-              <a:solidFill>
-                <a:srgbClr val="000000"/>
-              </a:solidFill>
-              <a:latin typeface="Calibri"/>
-            </a:endParaRPr>
-          </a:p>
-        </p:txBody>
-      </p:sp>
-      <p:sp>
-        <p:nvSpPr>
-          <p:cNvPr id="21" name="PlaceHolder 2"/>
+            <a:pPr algn="ctr">
+              <a:buNone/>
+            </a:pPr>
+            <a:endParaRPr b="0" lang="en-US" sz="4400" spc="-1" strike="noStrike">
+              <a:latin typeface="Arial"/>
+            </a:endParaRPr>
+          </a:p>
+        </p:txBody>
+      </p:sp>
+      <p:sp>
+        <p:nvSpPr>
+          <p:cNvPr id="23" name="PlaceHolder 2"/>
           <p:cNvSpPr>
             <a:spLocks noGrp="1"/>
           </p:cNvSpPr>
@@ -2380,27 +2128,15 @@
             <a:normAutofit/>
           </a:bodyPr>
           <a:p>
-            <a:pPr>
-              <a:lnSpc>
-                <a:spcPct val="90000"/>
-              </a:lnSpc>
-              <a:spcBef>
-                <a:spcPts val="1417"/>
-              </a:spcBef>
-              <a:buNone/>
-            </a:pPr>
-            <a:endParaRPr b="0" lang="en-US" sz="2800" spc="-1" strike="noStrike">
-              <a:solidFill>
-                <a:srgbClr val="000000"/>
-              </a:solidFill>
-              <a:latin typeface="Calibri"/>
-            </a:endParaRPr>
-          </a:p>
-        </p:txBody>
-      </p:sp>
-      <p:sp>
-        <p:nvSpPr>
-          <p:cNvPr id="22" name="PlaceHolder 3"/>
+            <a:endParaRPr b="0" lang="en-US" sz="3200" spc="-1" strike="noStrike">
+              <a:latin typeface="Arial"/>
+            </a:endParaRPr>
+          </a:p>
+        </p:txBody>
+      </p:sp>
+      <p:sp>
+        <p:nvSpPr>
+          <p:cNvPr id="24" name="PlaceHolder 3"/>
           <p:cNvSpPr>
             <a:spLocks noGrp="1"/>
           </p:cNvSpPr>
@@ -2426,27 +2162,15 @@
             <a:normAutofit/>
           </a:bodyPr>
           <a:p>
-            <a:pPr>
-              <a:lnSpc>
-                <a:spcPct val="90000"/>
-              </a:lnSpc>
-              <a:spcBef>
-                <a:spcPts val="1417"/>
-              </a:spcBef>
-              <a:buNone/>
-            </a:pPr>
-            <a:endParaRPr b="0" lang="en-US" sz="2800" spc="-1" strike="noStrike">
-              <a:solidFill>
-                <a:srgbClr val="000000"/>
-              </a:solidFill>
-              <a:latin typeface="Calibri"/>
-            </a:endParaRPr>
-          </a:p>
-        </p:txBody>
-      </p:sp>
-      <p:sp>
-        <p:nvSpPr>
-          <p:cNvPr id="23" name="PlaceHolder 4"/>
+            <a:endParaRPr b="0" lang="en-US" sz="3200" spc="-1" strike="noStrike">
+              <a:latin typeface="Arial"/>
+            </a:endParaRPr>
+          </a:p>
+        </p:txBody>
+      </p:sp>
+      <p:sp>
+        <p:nvSpPr>
+          <p:cNvPr id="25" name="PlaceHolder 4"/>
           <p:cNvSpPr>
             <a:spLocks noGrp="1"/>
           </p:cNvSpPr>
@@ -2472,20 +2196,8 @@
             <a:normAutofit/>
           </a:bodyPr>
           <a:p>
-            <a:pPr>
-              <a:lnSpc>
-                <a:spcPct val="90000"/>
-              </a:lnSpc>
-              <a:spcBef>
-                <a:spcPts val="1417"/>
-              </a:spcBef>
-              <a:buNone/>
-            </a:pPr>
-            <a:endParaRPr b="0" lang="en-US" sz="2800" spc="-1" strike="noStrike">
-              <a:solidFill>
-                <a:srgbClr val="000000"/>
-              </a:solidFill>
-              <a:latin typeface="Calibri"/>
+            <a:endParaRPr b="0" lang="en-US" sz="3200" spc="-1" strike="noStrike">
+              <a:latin typeface="Arial"/>
             </a:endParaRPr>
           </a:p>
         </p:txBody>
@@ -2497,7 +2209,7 @@
             <a:spLocks noGrp="1"/>
           </p:cNvSpPr>
           <p:nvPr>
-            <p:ph type="ftr" idx="2"/>
+            <p:ph type="ftr" idx="1"/>
           </p:nvPr>
         </p:nvSpPr>
         <p:spPr/>
@@ -2517,14 +2229,14 @@
             <a:spLocks noGrp="1"/>
           </p:cNvSpPr>
           <p:nvPr>
-            <p:ph type="sldNum" idx="3"/>
+            <p:ph type="sldNum" idx="2"/>
           </p:nvPr>
         </p:nvSpPr>
         <p:spPr/>
         <p:txBody>
           <a:bodyPr/>
           <a:p>
-            <a:fld id="{E305D2AD-45AD-47CF-B4A7-00F25270C49E}" type="slidenum">
+            <a:fld id="{11CEB3B5-80E9-472D-A249-F1AE59B37ABD}" type="slidenum">
               <a:t>&lt;#&gt;</a:t>
             </a:fld>
           </a:p>
@@ -2537,7 +2249,7 @@
             <a:spLocks noGrp="1"/>
           </p:cNvSpPr>
           <p:nvPr>
-            <p:ph type="dt" idx="1"/>
+            <p:ph type="dt" idx="3"/>
           </p:nvPr>
         </p:nvSpPr>
         <p:spPr/>
@@ -2587,91 +2299,31 @@
             <a:spLocks noGrp="1"/>
           </p:cNvSpPr>
           <p:nvPr>
-            <p:ph type="dt" idx="1"/>
-          </p:nvPr>
-        </p:nvSpPr>
-        <p:spPr>
-          <a:xfrm>
-            <a:off x="838080" y="6356520"/>
-            <a:ext cx="2742840" cy="364680"/>
-          </a:xfrm>
-          <a:prstGeom prst="rect">
-            <a:avLst/>
-          </a:prstGeom>
-          <a:noFill/>
-          <a:ln w="0">
-            <a:noFill/>
-          </a:ln>
-        </p:spPr>
-        <p:txBody>
-          <a:bodyPr anchor="ctr">
+            <p:ph type="ftr" idx="1"/>
+          </p:nvPr>
+        </p:nvSpPr>
+        <p:spPr>
+          <a:xfrm>
+            <a:off x="4038480" y="6356520"/>
+            <a:ext cx="4113720" cy="363960"/>
+          </a:xfrm>
+          <a:prstGeom prst="rect">
+            <a:avLst/>
+          </a:prstGeom>
+          <a:noFill/>
+          <a:ln w="0">
+            <a:noFill/>
+          </a:ln>
+        </p:spPr>
+        <p:txBody>
+          <a:bodyPr lIns="90000" rIns="90000" tIns="45000" bIns="45000" anchor="ctr">
             <a:noAutofit/>
           </a:bodyPr>
           <a:lstStyle>
-            <a:lvl1pPr>
+            <a:lvl1pPr algn="ctr">
               <a:lnSpc>
                 <a:spcPct val="100000"/>
               </a:lnSpc>
-              <a:buNone/>
-              <a:defRPr b="0" lang="en-US" sz="1200" spc="-1" strike="noStrike">
-                <a:solidFill>
-                  <a:srgbClr val="8b8b8b"/>
-                </a:solidFill>
-                <a:latin typeface="Calibri"/>
-              </a:defRPr>
-            </a:lvl1pPr>
-          </a:lstStyle>
-          <a:p>
-            <a:pPr>
-              <a:lnSpc>
-                <a:spcPct val="100000"/>
-              </a:lnSpc>
-              <a:buNone/>
-            </a:pPr>
-            <a:r>
-              <a:rPr b="0" lang="en-US" sz="1200" spc="-1" strike="noStrike">
-                <a:solidFill>
-                  <a:srgbClr val="8b8b8b"/>
-                </a:solidFill>
-                <a:latin typeface="Calibri"/>
-              </a:rPr>
-              <a:t>&lt;date/time&gt;</a:t>
-            </a:r>
-            <a:endParaRPr b="0" lang="en-US" sz="1200" spc="-1" strike="noStrike">
-              <a:latin typeface="Times New Roman"/>
-            </a:endParaRPr>
-          </a:p>
-        </p:txBody>
-      </p:sp>
-      <p:sp>
-        <p:nvSpPr>
-          <p:cNvPr id="1" name="PlaceHolder 2"/>
-          <p:cNvSpPr>
-            <a:spLocks noGrp="1"/>
-          </p:cNvSpPr>
-          <p:nvPr>
-            <p:ph type="ftr" idx="2"/>
-          </p:nvPr>
-        </p:nvSpPr>
-        <p:spPr>
-          <a:xfrm>
-            <a:off x="4038480" y="6356520"/>
-            <a:ext cx="4114440" cy="364680"/>
-          </a:xfrm>
-          <a:prstGeom prst="rect">
-            <a:avLst/>
-          </a:prstGeom>
-          <a:noFill/>
-          <a:ln w="0">
-            <a:noFill/>
-          </a:ln>
-        </p:spPr>
-        <p:txBody>
-          <a:bodyPr anchor="ctr">
-            <a:noAutofit/>
-          </a:bodyPr>
-          <a:lstStyle>
-            <a:lvl1pPr algn="ctr">
               <a:buNone/>
               <a:defRPr b="0" lang="en-US" sz="1400" spc="-1" strike="noStrike">
                 <a:latin typeface="Times New Roman"/>
@@ -2680,6 +2332,9 @@
           </a:lstStyle>
           <a:p>
             <a:pPr algn="ctr">
+              <a:lnSpc>
+                <a:spcPct val="100000"/>
+              </a:lnSpc>
               <a:buNone/>
             </a:pPr>
             <a:r>
@@ -2696,29 +2351,29 @@
       </p:sp>
       <p:sp>
         <p:nvSpPr>
-          <p:cNvPr id="2" name="PlaceHolder 3"/>
-          <p:cNvSpPr>
-            <a:spLocks noGrp="1"/>
-          </p:cNvSpPr>
-          <p:nvPr>
-            <p:ph type="sldNum" idx="3"/>
+          <p:cNvPr id="1" name="PlaceHolder 2"/>
+          <p:cNvSpPr>
+            <a:spLocks noGrp="1"/>
+          </p:cNvSpPr>
+          <p:nvPr>
+            <p:ph type="sldNum" idx="2"/>
           </p:nvPr>
         </p:nvSpPr>
         <p:spPr>
           <a:xfrm>
             <a:off x="8610480" y="6356520"/>
-            <a:ext cx="2742840" cy="364680"/>
-          </a:xfrm>
-          <a:prstGeom prst="rect">
-            <a:avLst/>
-          </a:prstGeom>
-          <a:noFill/>
-          <a:ln w="0">
-            <a:noFill/>
-          </a:ln>
-        </p:spPr>
-        <p:txBody>
-          <a:bodyPr anchor="ctr">
+            <a:ext cx="2742120" cy="363960"/>
+          </a:xfrm>
+          <a:prstGeom prst="rect">
+            <a:avLst/>
+          </a:prstGeom>
+          <a:noFill/>
+          <a:ln w="0">
+            <a:noFill/>
+          </a:ln>
+        </p:spPr>
+        <p:txBody>
+          <a:bodyPr lIns="90000" rIns="90000" tIns="45000" bIns="45000" anchor="ctr">
             <a:noAutofit/>
           </a:bodyPr>
           <a:lstStyle>
@@ -2742,7 +2397,7 @@
               </a:lnSpc>
               <a:buNone/>
             </a:pPr>
-            <a:fld id="{C3111E85-8581-47C5-A5E0-B2548539FE3C}" type="slidenum">
+            <a:fld id="{8B82DFF0-5D86-4076-BE74-9262D74E1F1A}" type="slidenum">
               <a:rPr b="0" lang="en-US" sz="1200" spc="-1" strike="noStrike">
                 <a:solidFill>
                   <a:srgbClr val="8b8b8b"/>
@@ -2753,6 +2408,279 @@
             </a:fld>
             <a:endParaRPr b="0" lang="en-US" sz="1200" spc="-1" strike="noStrike">
               <a:latin typeface="Times New Roman"/>
+            </a:endParaRPr>
+          </a:p>
+        </p:txBody>
+      </p:sp>
+      <p:sp>
+        <p:nvSpPr>
+          <p:cNvPr id="2" name="PlaceHolder 3"/>
+          <p:cNvSpPr>
+            <a:spLocks noGrp="1"/>
+          </p:cNvSpPr>
+          <p:nvPr>
+            <p:ph type="dt" idx="3"/>
+          </p:nvPr>
+        </p:nvSpPr>
+        <p:spPr>
+          <a:xfrm>
+            <a:off x="838080" y="6356520"/>
+            <a:ext cx="2742120" cy="363960"/>
+          </a:xfrm>
+          <a:prstGeom prst="rect">
+            <a:avLst/>
+          </a:prstGeom>
+          <a:noFill/>
+          <a:ln w="0">
+            <a:noFill/>
+          </a:ln>
+        </p:spPr>
+        <p:txBody>
+          <a:bodyPr lIns="90000" rIns="90000" tIns="45000" bIns="45000" anchor="ctr">
+            <a:noAutofit/>
+          </a:bodyPr>
+          <a:lstStyle>
+            <a:lvl1pPr>
+              <a:defRPr b="0" lang="en-US" sz="1400" spc="-1" strike="noStrike">
+                <a:latin typeface="Times New Roman"/>
+              </a:defRPr>
+            </a:lvl1pPr>
+          </a:lstStyle>
+          <a:p>
+            <a:r>
+              <a:rPr b="0" lang="en-US" sz="1400" spc="-1" strike="noStrike">
+                <a:latin typeface="Times New Roman"/>
+              </a:rPr>
+              <a:t>&lt;date/time&gt;</a:t>
+            </a:r>
+            <a:endParaRPr b="0" lang="en-US" sz="1400" spc="-1" strike="noStrike">
+              <a:latin typeface="Times New Roman"/>
+            </a:endParaRPr>
+          </a:p>
+        </p:txBody>
+      </p:sp>
+      <p:sp>
+        <p:nvSpPr>
+          <p:cNvPr id="3" name="PlaceHolder 4"/>
+          <p:cNvSpPr>
+            <a:spLocks noGrp="1"/>
+          </p:cNvSpPr>
+          <p:nvPr>
+            <p:ph type="title"/>
+          </p:nvPr>
+        </p:nvSpPr>
+        <p:spPr>
+          <a:xfrm>
+            <a:off x="609480" y="273600"/>
+            <a:ext cx="10972440" cy="1144800"/>
+          </a:xfrm>
+          <a:prstGeom prst="rect">
+            <a:avLst/>
+          </a:prstGeom>
+          <a:noFill/>
+          <a:ln w="0">
+            <a:noFill/>
+          </a:ln>
+        </p:spPr>
+        <p:txBody>
+          <a:bodyPr lIns="0" rIns="0" tIns="0" bIns="0" anchor="ctr">
+            <a:noAutofit/>
+          </a:bodyPr>
+          <a:p>
+            <a:pPr algn="ctr">
+              <a:buNone/>
+            </a:pPr>
+            <a:r>
+              <a:rPr b="0" lang="en-US" sz="4400" spc="-1" strike="noStrike">
+                <a:latin typeface="Arial"/>
+              </a:rPr>
+              <a:t>Click to edit the title text format</a:t>
+            </a:r>
+            <a:endParaRPr b="0" lang="en-US" sz="4400" spc="-1" strike="noStrike">
+              <a:latin typeface="Arial"/>
+            </a:endParaRPr>
+          </a:p>
+        </p:txBody>
+      </p:sp>
+      <p:sp>
+        <p:nvSpPr>
+          <p:cNvPr id="4" name="PlaceHolder 5"/>
+          <p:cNvSpPr>
+            <a:spLocks noGrp="1"/>
+          </p:cNvSpPr>
+          <p:nvPr>
+            <p:ph type="body"/>
+          </p:nvPr>
+        </p:nvSpPr>
+        <p:spPr>
+          <a:xfrm>
+            <a:off x="609480" y="1604520"/>
+            <a:ext cx="10972440" cy="3977280"/>
+          </a:xfrm>
+          <a:prstGeom prst="rect">
+            <a:avLst/>
+          </a:prstGeom>
+          <a:noFill/>
+          <a:ln w="0">
+            <a:noFill/>
+          </a:ln>
+        </p:spPr>
+        <p:txBody>
+          <a:bodyPr lIns="0" rIns="0" tIns="0" bIns="0" anchor="t">
+            <a:normAutofit/>
+          </a:bodyPr>
+          <a:p>
+            <a:pPr marL="432000" indent="-324000">
+              <a:spcBef>
+                <a:spcPts val="1417"/>
+              </a:spcBef>
+              <a:buClr>
+                <a:srgbClr val="000000"/>
+              </a:buClr>
+              <a:buSzPct val="45000"/>
+              <a:buFont typeface="Wingdings" charset="2"/>
+              <a:buChar char=""/>
+            </a:pPr>
+            <a:r>
+              <a:rPr b="0" lang="en-US" sz="3200" spc="-1" strike="noStrike">
+                <a:latin typeface="Arial"/>
+              </a:rPr>
+              <a:t>Click to edit the outline text format</a:t>
+            </a:r>
+            <a:endParaRPr b="0" lang="en-US" sz="3200" spc="-1" strike="noStrike">
+              <a:latin typeface="Arial"/>
+            </a:endParaRPr>
+          </a:p>
+          <a:p>
+            <a:pPr lvl="1" marL="864000" indent="-324000">
+              <a:spcBef>
+                <a:spcPts val="1134"/>
+              </a:spcBef>
+              <a:buClr>
+                <a:srgbClr val="000000"/>
+              </a:buClr>
+              <a:buSzPct val="75000"/>
+              <a:buFont typeface="Symbol" charset="2"/>
+              <a:buChar char=""/>
+            </a:pPr>
+            <a:r>
+              <a:rPr b="0" lang="en-US" sz="2800" spc="-1" strike="noStrike">
+                <a:latin typeface="Arial"/>
+              </a:rPr>
+              <a:t>Second Outline Level</a:t>
+            </a:r>
+            <a:endParaRPr b="0" lang="en-US" sz="2800" spc="-1" strike="noStrike">
+              <a:latin typeface="Arial"/>
+            </a:endParaRPr>
+          </a:p>
+          <a:p>
+            <a:pPr lvl="2" marL="1296000" indent="-288000">
+              <a:spcBef>
+                <a:spcPts val="850"/>
+              </a:spcBef>
+              <a:buClr>
+                <a:srgbClr val="000000"/>
+              </a:buClr>
+              <a:buSzPct val="45000"/>
+              <a:buFont typeface="Wingdings" charset="2"/>
+              <a:buChar char=""/>
+            </a:pPr>
+            <a:r>
+              <a:rPr b="0" lang="en-US" sz="2400" spc="-1" strike="noStrike">
+                <a:latin typeface="Arial"/>
+              </a:rPr>
+              <a:t>Third Outline Level</a:t>
+            </a:r>
+            <a:endParaRPr b="0" lang="en-US" sz="2400" spc="-1" strike="noStrike">
+              <a:latin typeface="Arial"/>
+            </a:endParaRPr>
+          </a:p>
+          <a:p>
+            <a:pPr lvl="3" marL="1728000" indent="-216000">
+              <a:spcBef>
+                <a:spcPts val="567"/>
+              </a:spcBef>
+              <a:buClr>
+                <a:srgbClr val="000000"/>
+              </a:buClr>
+              <a:buSzPct val="75000"/>
+              <a:buFont typeface="Symbol" charset="2"/>
+              <a:buChar char=""/>
+            </a:pPr>
+            <a:r>
+              <a:rPr b="0" lang="en-US" sz="2000" spc="-1" strike="noStrike">
+                <a:latin typeface="Arial"/>
+              </a:rPr>
+              <a:t>Fourth Outline Level</a:t>
+            </a:r>
+            <a:endParaRPr b="0" lang="en-US" sz="2000" spc="-1" strike="noStrike">
+              <a:latin typeface="Arial"/>
+            </a:endParaRPr>
+          </a:p>
+          <a:p>
+            <a:pPr lvl="4" marL="2160000" indent="-216000">
+              <a:spcBef>
+                <a:spcPts val="283"/>
+              </a:spcBef>
+              <a:buClr>
+                <a:srgbClr val="000000"/>
+              </a:buClr>
+              <a:buSzPct val="45000"/>
+              <a:buFont typeface="Wingdings" charset="2"/>
+              <a:buChar char=""/>
+            </a:pPr>
+            <a:r>
+              <a:rPr b="0" lang="en-US" sz="2000" spc="-1" strike="noStrike">
+                <a:latin typeface="Arial"/>
+              </a:rPr>
+              <a:t>Fifth Outline Level</a:t>
+            </a:r>
+            <a:endParaRPr b="0" lang="en-US" sz="2000" spc="-1" strike="noStrike">
+              <a:latin typeface="Arial"/>
+            </a:endParaRPr>
+          </a:p>
+          <a:p>
+            <a:pPr lvl="5" marL="2592000" indent="-216000">
+              <a:spcBef>
+                <a:spcPts val="283"/>
+              </a:spcBef>
+              <a:buClr>
+                <a:srgbClr val="000000"/>
+              </a:buClr>
+              <a:buSzPct val="45000"/>
+              <a:buFont typeface="Wingdings" charset="2"/>
+              <a:buChar char=""/>
+            </a:pPr>
+            <a:r>
+              <a:rPr b="0" lang="en-US" sz="2000" spc="-1" strike="noStrike">
+                <a:latin typeface="Arial"/>
+              </a:rPr>
+              <a:t>Sixth Outline Level</a:t>
+            </a:r>
+            <a:endParaRPr b="0" lang="en-US" sz="2000" spc="-1" strike="noStrike">
+              <a:latin typeface="Arial"/>
+            </a:endParaRPr>
+          </a:p>
+          <a:p>
+            <a:pPr lvl="6" marL="3024000" indent="-216000">
+              <a:spcBef>
+                <a:spcPts val="283"/>
+              </a:spcBef>
+              <a:buClr>
+                <a:srgbClr val="000000"/>
+              </a:buClr>
+              <a:buSzPct val="45000"/>
+              <a:buFont typeface="Wingdings" charset="2"/>
+              <a:buChar char=""/>
+            </a:pPr>
+            <a:r>
+              <a:rPr b="0" lang="en-US" sz="2000" spc="-1" strike="noStrike">
+                <a:latin typeface="Arial"/>
+              </a:rPr>
+              <a:t>Seventh Outline Level</a:t>
+            </a:r>
+            <a:endParaRPr b="0" lang="en-US" sz="2000" spc="-1" strike="noStrike">
+              <a:latin typeface="Arial"/>
             </a:endParaRPr>
           </a:p>
         </p:txBody>
@@ -2796,14 +2724,14 @@
       </p:grpSpPr>
       <p:sp>
         <p:nvSpPr>
-          <p:cNvPr id="39" name="Oval 3"/>
+          <p:cNvPr id="41" name="Oval 3"/>
           <p:cNvSpPr/>
           <p:nvPr/>
         </p:nvSpPr>
         <p:spPr>
           <a:xfrm>
-            <a:off x="2339280" y="872640"/>
-            <a:ext cx="288360" cy="288360"/>
+            <a:off x="3501360" y="2514600"/>
+            <a:ext cx="287640" cy="287640"/>
           </a:xfrm>
           <a:prstGeom prst="ellipse">
             <a:avLst/>
@@ -2834,13 +2762,13 @@
       </p:sp>
       <p:sp>
         <p:nvSpPr>
-          <p:cNvPr id="40" name="Straight Connector 5"/>
+          <p:cNvPr id="42" name="Straight Connector 5"/>
           <p:cNvSpPr/>
           <p:nvPr/>
         </p:nvSpPr>
         <p:spPr>
           <a:xfrm>
-            <a:off x="2483280" y="1161000"/>
+            <a:off x="3645360" y="2802960"/>
             <a:ext cx="360" cy="360"/>
           </a:xfrm>
           <a:prstGeom prst="line">
@@ -2867,13 +2795,13 @@
       </p:sp>
       <p:sp>
         <p:nvSpPr>
-          <p:cNvPr id="41" name="Straight Connector 7"/>
+          <p:cNvPr id="43" name="Straight Connector 7"/>
           <p:cNvSpPr/>
           <p:nvPr/>
         </p:nvSpPr>
         <p:spPr>
           <a:xfrm>
-            <a:off x="2483280" y="1161000"/>
+            <a:off x="3645360" y="2802960"/>
             <a:ext cx="5400" cy="578160"/>
           </a:xfrm>
           <a:prstGeom prst="line">
@@ -2900,13 +2828,13 @@
       </p:sp>
       <p:sp>
         <p:nvSpPr>
-          <p:cNvPr id="42" name="Straight Connector 10"/>
+          <p:cNvPr id="44" name="Straight Connector 10"/>
           <p:cNvSpPr/>
           <p:nvPr/>
         </p:nvSpPr>
         <p:spPr>
           <a:xfrm flipH="1" flipV="1">
-            <a:off x="2488680" y="1739160"/>
+            <a:off x="3650760" y="3381120"/>
             <a:ext cx="178560" cy="501840"/>
           </a:xfrm>
           <a:prstGeom prst="line">
@@ -2933,13 +2861,13 @@
       </p:sp>
       <p:sp>
         <p:nvSpPr>
-          <p:cNvPr id="43" name="Straight Connector 12"/>
+          <p:cNvPr id="45" name="Straight Connector 12"/>
           <p:cNvSpPr/>
           <p:nvPr/>
         </p:nvSpPr>
         <p:spPr>
           <a:xfrm flipV="1">
-            <a:off x="2309760" y="1739160"/>
+            <a:off x="3471840" y="3381120"/>
             <a:ext cx="178920" cy="501840"/>
           </a:xfrm>
           <a:prstGeom prst="line">
@@ -2966,13 +2894,13 @@
       </p:sp>
       <p:sp>
         <p:nvSpPr>
-          <p:cNvPr id="44" name="Straight Connector 13"/>
+          <p:cNvPr id="46" name="Straight Connector 13"/>
           <p:cNvSpPr/>
           <p:nvPr/>
         </p:nvSpPr>
         <p:spPr>
           <a:xfrm flipH="1" flipV="1">
-            <a:off x="2488680" y="1222920"/>
+            <a:off x="3650760" y="2864880"/>
             <a:ext cx="221760" cy="243720"/>
           </a:xfrm>
           <a:prstGeom prst="line">
@@ -2999,13 +2927,13 @@
       </p:sp>
       <p:sp>
         <p:nvSpPr>
-          <p:cNvPr id="45" name="Straight Connector 17"/>
+          <p:cNvPr id="47" name="Straight Connector 17"/>
           <p:cNvSpPr/>
           <p:nvPr/>
         </p:nvSpPr>
         <p:spPr>
           <a:xfrm flipV="1">
-            <a:off x="2266920" y="1222920"/>
+            <a:off x="3429000" y="2864880"/>
             <a:ext cx="221760" cy="243720"/>
           </a:xfrm>
           <a:prstGeom prst="line">
@@ -3032,14 +2960,14 @@
       </p:sp>
       <p:sp>
         <p:nvSpPr>
-          <p:cNvPr id="46" name="Rectangle 18"/>
+          <p:cNvPr id="48" name="Rectangle 18"/>
           <p:cNvSpPr/>
           <p:nvPr/>
         </p:nvSpPr>
         <p:spPr>
           <a:xfrm>
-            <a:off x="1906560" y="2330280"/>
-            <a:ext cx="1163880" cy="442080"/>
+            <a:off x="4750560" y="2330280"/>
+            <a:ext cx="1163160" cy="441360"/>
           </a:xfrm>
           <a:prstGeom prst="rect">
             <a:avLst/>
@@ -3082,6 +3010,7 @@
                   <a:srgbClr val="000000"/>
                 </a:solidFill>
                 <a:latin typeface="Calibri"/>
+                <a:ea typeface="DejaVu Sans"/>
               </a:rPr>
               <a:t>Signal</a:t>
             </a:r>
@@ -3102,6 +3031,7 @@
                   <a:srgbClr val="000000"/>
                 </a:solidFill>
                 <a:latin typeface="Calibri"/>
+                <a:ea typeface="DejaVu Sans"/>
               </a:rPr>
               <a:t>Conditioning</a:t>
             </a:r>
@@ -3113,14 +3043,14 @@
       </p:sp>
       <p:sp>
         <p:nvSpPr>
-          <p:cNvPr id="47" name="Rectangle 20"/>
+          <p:cNvPr id="49" name="Rectangle 20"/>
           <p:cNvSpPr/>
           <p:nvPr/>
         </p:nvSpPr>
         <p:spPr>
           <a:xfrm>
-            <a:off x="1906560" y="2772720"/>
-            <a:ext cx="1163880" cy="442080"/>
+            <a:off x="4750560" y="2772720"/>
+            <a:ext cx="1163160" cy="441360"/>
           </a:xfrm>
           <a:prstGeom prst="rect">
             <a:avLst/>
@@ -3163,6 +3093,7 @@
                   <a:srgbClr val="000000"/>
                 </a:solidFill>
                 <a:latin typeface="Calibri"/>
+                <a:ea typeface="DejaVu Sans"/>
               </a:rPr>
               <a:t>A/D</a:t>
             </a:r>
@@ -3183,6 +3114,7 @@
                   <a:srgbClr val="000000"/>
                 </a:solidFill>
                 <a:latin typeface="Calibri"/>
+                <a:ea typeface="DejaVu Sans"/>
               </a:rPr>
               <a:t>I2C</a:t>
             </a:r>
@@ -3194,14 +3126,14 @@
       </p:sp>
       <p:sp>
         <p:nvSpPr>
-          <p:cNvPr id="48" name="Rectangle 21"/>
+          <p:cNvPr id="50" name="Rectangle 21"/>
           <p:cNvSpPr/>
           <p:nvPr/>
         </p:nvSpPr>
         <p:spPr>
           <a:xfrm>
-            <a:off x="1906560" y="3215160"/>
-            <a:ext cx="1163880" cy="442080"/>
+            <a:off x="4750560" y="3215160"/>
+            <a:ext cx="1163160" cy="441360"/>
           </a:xfrm>
           <a:prstGeom prst="rect">
             <a:avLst/>
@@ -3244,6 +3176,7 @@
                   <a:srgbClr val="000000"/>
                 </a:solidFill>
                 <a:latin typeface="Calibri"/>
+                <a:ea typeface="DejaVu Sans"/>
               </a:rPr>
               <a:t>ESP32-S3</a:t>
             </a:r>
@@ -3255,28 +3188,28 @@
       </p:sp>
       <p:grpSp>
         <p:nvGrpSpPr>
-          <p:cNvPr id="49" name="Group 25"/>
+          <p:cNvPr id="51" name="Group 25"/>
           <p:cNvGrpSpPr/>
           <p:nvPr/>
         </p:nvGrpSpPr>
         <p:grpSpPr>
           <a:xfrm>
-            <a:off x="3273120" y="3096360"/>
-            <a:ext cx="579600" cy="906840"/>
-            <a:chOff x="3273120" y="3096360"/>
-            <a:chExt cx="579600" cy="906840"/>
+            <a:off x="6117120" y="3097080"/>
+            <a:ext cx="578880" cy="906120"/>
+            <a:chOff x="6117120" y="3097080"/>
+            <a:chExt cx="578880" cy="906120"/>
           </a:xfrm>
         </p:grpSpPr>
         <p:sp>
           <p:nvSpPr>
-            <p:cNvPr id="50" name="Oval 22"/>
+            <p:cNvPr id="52" name="Oval 22"/>
             <p:cNvSpPr/>
             <p:nvPr/>
           </p:nvSpPr>
           <p:spPr>
             <a:xfrm rot="16200000">
-              <a:off x="3143880" y="3477960"/>
-              <a:ext cx="401760" cy="143640"/>
+              <a:off x="5987880" y="3478680"/>
+              <a:ext cx="401040" cy="142920"/>
             </a:xfrm>
             <a:custGeom>
               <a:avLst/>
@@ -3325,14 +3258,14 @@
         </p:sp>
         <p:sp>
           <p:nvSpPr>
-            <p:cNvPr id="51" name="Oval 22"/>
+            <p:cNvPr id="53" name="Oval 22"/>
             <p:cNvSpPr/>
             <p:nvPr/>
           </p:nvSpPr>
           <p:spPr>
             <a:xfrm rot="16200000">
-              <a:off x="3150360" y="3459960"/>
-              <a:ext cx="755280" cy="179640"/>
+              <a:off x="5994360" y="3460680"/>
+              <a:ext cx="754560" cy="178920"/>
             </a:xfrm>
             <a:custGeom>
               <a:avLst/>
@@ -3381,14 +3314,14 @@
         </p:sp>
         <p:sp>
           <p:nvSpPr>
-            <p:cNvPr id="52" name="Oval 22"/>
+            <p:cNvPr id="54" name="Oval 22"/>
             <p:cNvSpPr/>
             <p:nvPr/>
           </p:nvSpPr>
           <p:spPr>
             <a:xfrm rot="16200000">
-              <a:off x="3294720" y="3445200"/>
-              <a:ext cx="906840" cy="209160"/>
+              <a:off x="6138720" y="3445920"/>
+              <a:ext cx="906120" cy="208440"/>
             </a:xfrm>
             <a:custGeom>
               <a:avLst/>
@@ -3438,28 +3371,28 @@
       </p:grpSp>
       <p:grpSp>
         <p:nvGrpSpPr>
-          <p:cNvPr id="53" name="Group 26"/>
+          <p:cNvPr id="55" name="Group 26"/>
           <p:cNvGrpSpPr/>
           <p:nvPr/>
         </p:nvGrpSpPr>
         <p:grpSpPr>
           <a:xfrm>
-            <a:off x="3793320" y="3065040"/>
-            <a:ext cx="579600" cy="906840"/>
-            <a:chOff x="3793320" y="3065040"/>
-            <a:chExt cx="579600" cy="906840"/>
+            <a:off x="6638040" y="3064320"/>
+            <a:ext cx="578880" cy="906120"/>
+            <a:chOff x="6638040" y="3064320"/>
+            <a:chExt cx="578880" cy="906120"/>
           </a:xfrm>
         </p:grpSpPr>
         <p:sp>
           <p:nvSpPr>
-            <p:cNvPr id="54" name="Oval 22"/>
+            <p:cNvPr id="56" name="Oval 22"/>
             <p:cNvSpPr/>
             <p:nvPr/>
           </p:nvSpPr>
           <p:spPr>
             <a:xfrm flipV="1" rot="16200000">
-              <a:off x="4100040" y="3446640"/>
-              <a:ext cx="401760" cy="143640"/>
+              <a:off x="6944760" y="3445920"/>
+              <a:ext cx="401040" cy="142920"/>
             </a:xfrm>
             <a:custGeom>
               <a:avLst/>
@@ -3508,14 +3441,14 @@
         </p:sp>
         <p:sp>
           <p:nvSpPr>
-            <p:cNvPr id="55" name="Oval 22"/>
+            <p:cNvPr id="57" name="Oval 22"/>
             <p:cNvSpPr/>
             <p:nvPr/>
           </p:nvSpPr>
           <p:spPr>
             <a:xfrm flipV="1" rot="16200000">
-              <a:off x="3740040" y="3428640"/>
-              <a:ext cx="755280" cy="179640"/>
+              <a:off x="6584760" y="3427920"/>
+              <a:ext cx="754560" cy="178920"/>
             </a:xfrm>
             <a:custGeom>
               <a:avLst/>
@@ -3564,14 +3497,14 @@
         </p:sp>
         <p:sp>
           <p:nvSpPr>
-            <p:cNvPr id="56" name="Oval 22"/>
+            <p:cNvPr id="58" name="Oval 22"/>
             <p:cNvSpPr/>
             <p:nvPr/>
           </p:nvSpPr>
           <p:spPr>
             <a:xfrm flipV="1" rot="16200000">
-              <a:off x="3444480" y="3413520"/>
-              <a:ext cx="906840" cy="209160"/>
+              <a:off x="6289200" y="3412800"/>
+              <a:ext cx="906120" cy="208440"/>
             </a:xfrm>
             <a:custGeom>
               <a:avLst/>
@@ -3621,14 +3554,14 @@
       </p:grpSp>
       <p:sp>
         <p:nvSpPr>
-          <p:cNvPr id="57" name="Rectangle 30"/>
+          <p:cNvPr id="59" name="Rectangle 30"/>
           <p:cNvSpPr/>
           <p:nvPr/>
         </p:nvSpPr>
         <p:spPr>
           <a:xfrm>
-            <a:off x="4518720" y="3216240"/>
-            <a:ext cx="1163880" cy="442080"/>
+            <a:off x="7362720" y="3216240"/>
+            <a:ext cx="1163160" cy="441360"/>
           </a:xfrm>
           <a:prstGeom prst="rect">
             <a:avLst/>
@@ -3671,45 +3604,26 @@
                   <a:srgbClr val="000000"/>
                 </a:solidFill>
                 <a:latin typeface="Calibri"/>
+                <a:ea typeface="DejaVu Sans"/>
               </a:rPr>
-              <a:t>BLE/EPSNow</a:t>
+              <a:t>BLE Receiver</a:t>
             </a:r>
             <a:endParaRPr b="0" lang="en-US" sz="1200" spc="-1" strike="noStrike">
               <a:latin typeface="Arial"/>
             </a:endParaRPr>
           </a:p>
-          <a:p>
-            <a:pPr algn="ctr">
-              <a:lnSpc>
-                <a:spcPct val="100000"/>
-              </a:lnSpc>
-              <a:buNone/>
-            </a:pPr>
-            <a:r>
-              <a:rPr b="0" lang="en-US" sz="1200" spc="-1" strike="noStrike">
-                <a:solidFill>
-                  <a:srgbClr val="000000"/>
-                </a:solidFill>
-                <a:latin typeface="Calibri"/>
-              </a:rPr>
-              <a:t>Receiver</a:t>
-            </a:r>
-            <a:endParaRPr b="0" lang="en-US" sz="1200" spc="-1" strike="noStrike">
-              <a:latin typeface="Arial"/>
-            </a:endParaRPr>
-          </a:p>
-        </p:txBody>
-      </p:sp>
-      <p:sp>
-        <p:nvSpPr>
-          <p:cNvPr id="58" name="Rectangle 31"/>
+        </p:txBody>
+      </p:sp>
+      <p:sp>
+        <p:nvSpPr>
+          <p:cNvPr id="60" name="Rectangle 31"/>
           <p:cNvSpPr/>
           <p:nvPr/>
         </p:nvSpPr>
         <p:spPr>
           <a:xfrm>
-            <a:off x="4520880" y="3657600"/>
-            <a:ext cx="1163880" cy="389160"/>
+            <a:off x="7364880" y="3657600"/>
+            <a:ext cx="1163160" cy="388440"/>
           </a:xfrm>
           <a:prstGeom prst="rect">
             <a:avLst/>
@@ -3752,6 +3666,7 @@
                   <a:srgbClr val="000000"/>
                 </a:solidFill>
                 <a:latin typeface="Calibri"/>
+                <a:ea typeface="DejaVu Sans"/>
               </a:rPr>
               <a:t>Display and Storage</a:t>
             </a:r>
@@ -3763,65 +3678,22 @@
       </p:sp>
       <p:sp>
         <p:nvSpPr>
-          <p:cNvPr id="59" name="Freeform: Shape 37"/>
+          <p:cNvPr id="61" name="Rectangle 1"/>
           <p:cNvSpPr/>
           <p:nvPr/>
         </p:nvSpPr>
         <p:spPr>
           <a:xfrm>
-            <a:off x="1631160" y="1442880"/>
-            <a:ext cx="673200" cy="1229760"/>
-          </a:xfrm>
-          <a:custGeom>
-            <a:avLst/>
-            <a:gdLst/>
-            <a:ahLst/>
-            <a:rect l="l" t="t" r="r" b="b"/>
-            <a:pathLst>
-              <a:path w="673561" h="1230268">
-                <a:moveTo>
-                  <a:pt x="673216" y="0"/>
-                </a:moveTo>
-                <a:cubicBezTo>
-                  <a:pt x="676567" y="57679"/>
-                  <a:pt x="655225" y="134762"/>
-                  <a:pt x="622417" y="179917"/>
-                </a:cubicBezTo>
-                <a:cubicBezTo>
-                  <a:pt x="589609" y="225072"/>
-                  <a:pt x="507059" y="216252"/>
-                  <a:pt x="476367" y="270933"/>
-                </a:cubicBezTo>
-                <a:cubicBezTo>
-                  <a:pt x="445675" y="325614"/>
-                  <a:pt x="501767" y="424039"/>
-                  <a:pt x="438267" y="508000"/>
-                </a:cubicBezTo>
-                <a:cubicBezTo>
-                  <a:pt x="374767" y="591961"/>
-                  <a:pt x="161689" y="668161"/>
-                  <a:pt x="95367" y="774700"/>
-                </a:cubicBezTo>
-                <a:cubicBezTo>
-                  <a:pt x="29045" y="881239"/>
-                  <a:pt x="-49273" y="1026230"/>
-                  <a:pt x="40333" y="1147233"/>
-                </a:cubicBezTo>
-                <a:cubicBezTo>
-                  <a:pt x="129939" y="1268236"/>
-                  <a:pt x="277400" y="1221317"/>
-                  <a:pt x="277400" y="1221317"/>
-                </a:cubicBezTo>
-                <a:lnTo>
-                  <a:pt x="277400" y="1221317"/>
-                </a:lnTo>
-              </a:path>
-            </a:pathLst>
-          </a:custGeom>
+            <a:off x="4750560" y="3657600"/>
+            <a:ext cx="1163160" cy="441360"/>
+          </a:xfrm>
+          <a:prstGeom prst="rect">
+            <a:avLst/>
+          </a:prstGeom>
           <a:noFill/>
           <a:ln>
             <a:solidFill>
-              <a:srgbClr val="1d3155"/>
+              <a:srgbClr val="000000"/>
             </a:solidFill>
           </a:ln>
         </p:spPr>
@@ -3839,118 +3711,6 @@
           </a:effectRef>
           <a:fontRef idx="minor"/>
         </p:style>
-      </p:sp>
-      <p:sp>
-        <p:nvSpPr>
-          <p:cNvPr id="60" name="Freeform: Shape 38"/>
-          <p:cNvSpPr/>
-          <p:nvPr/>
-        </p:nvSpPr>
-        <p:spPr>
-          <a:xfrm>
-            <a:off x="1704600" y="1437120"/>
-            <a:ext cx="978840" cy="1146600"/>
-          </a:xfrm>
-          <a:custGeom>
-            <a:avLst/>
-            <a:gdLst/>
-            <a:ahLst/>
-            <a:rect l="l" t="t" r="r" b="b"/>
-            <a:pathLst>
-              <a:path w="979120" h="1146796">
-                <a:moveTo>
-                  <a:pt x="966680" y="0"/>
-                </a:moveTo>
-                <a:cubicBezTo>
-                  <a:pt x="970031" y="57679"/>
-                  <a:pt x="1003017" y="111126"/>
-                  <a:pt x="945514" y="156634"/>
-                </a:cubicBezTo>
-                <a:cubicBezTo>
-                  <a:pt x="888011" y="202142"/>
-                  <a:pt x="681636" y="217664"/>
-                  <a:pt x="621664" y="273050"/>
-                </a:cubicBezTo>
-                <a:cubicBezTo>
-                  <a:pt x="561692" y="328436"/>
-                  <a:pt x="668231" y="403226"/>
-                  <a:pt x="585681" y="488951"/>
-                </a:cubicBezTo>
-                <a:cubicBezTo>
-                  <a:pt x="503131" y="574676"/>
-                  <a:pt x="221262" y="689328"/>
-                  <a:pt x="126365" y="787400"/>
-                </a:cubicBezTo>
-                <a:cubicBezTo>
-                  <a:pt x="31468" y="885472"/>
-                  <a:pt x="-31327" y="984249"/>
-                  <a:pt x="16297" y="1077383"/>
-                </a:cubicBezTo>
-                <a:cubicBezTo>
-                  <a:pt x="63921" y="1170517"/>
-                  <a:pt x="208914" y="1143001"/>
-                  <a:pt x="208914" y="1143001"/>
-                </a:cubicBezTo>
-              </a:path>
-            </a:pathLst>
-          </a:custGeom>
-          <a:noFill/>
-          <a:ln>
-            <a:solidFill>
-              <a:srgbClr val="1d3155"/>
-            </a:solidFill>
-          </a:ln>
-        </p:spPr>
-        <p:style>
-          <a:lnRef idx="2">
-            <a:schemeClr val="accent1">
-              <a:shade val="15000"/>
-            </a:schemeClr>
-          </a:lnRef>
-          <a:fillRef idx="1">
-            <a:schemeClr val="accent1"/>
-          </a:fillRef>
-          <a:effectRef idx="0">
-            <a:schemeClr val="accent1"/>
-          </a:effectRef>
-          <a:fontRef idx="minor"/>
-        </p:style>
-      </p:sp>
-      <p:sp>
-        <p:nvSpPr>
-          <p:cNvPr id="61" name="Rectangle 1"/>
-          <p:cNvSpPr/>
-          <p:nvPr/>
-        </p:nvSpPr>
-        <p:spPr>
-          <a:xfrm>
-            <a:off x="1906560" y="3657600"/>
-            <a:ext cx="1163880" cy="442080"/>
-          </a:xfrm>
-          <a:prstGeom prst="rect">
-            <a:avLst/>
-          </a:prstGeom>
-          <a:noFill/>
-          <a:ln>
-            <a:solidFill>
-              <a:srgbClr val="000000"/>
-            </a:solidFill>
-          </a:ln>
-        </p:spPr>
-        <p:style>
-          <a:lnRef idx="2">
-            <a:schemeClr val="accent1">
-              <a:shade val="15000"/>
-            </a:schemeClr>
-          </a:lnRef>
-          <a:fillRef idx="1">
-            <a:schemeClr val="accent1"/>
-          </a:fillRef>
-          <a:effectRef idx="0">
-            <a:schemeClr val="accent1"/>
-          </a:effectRef>
-          <a:fontRef idx="minor"/>
-        </p:style>
         <p:txBody>
           <a:bodyPr lIns="90000" rIns="90000" tIns="45000" bIns="45000" anchor="ctr">
             <a:noAutofit/>
@@ -3968,6 +3728,7 @@
                   <a:srgbClr val="000000"/>
                 </a:solidFill>
                 <a:latin typeface="Calibri"/>
+                <a:ea typeface="DejaVu Sans"/>
               </a:rPr>
               <a:t>Battery</a:t>
             </a:r>

--- a/assets/Concept.pptx
+++ b/assets/Concept.pptx
@@ -63,7 +63,7 @@
         <p:txBody>
           <a:bodyPr/>
           <a:p>
-            <a:fld id="{4DBD2977-D2AF-43F1-AC90-525B205CB70D}" type="slidenum">
+            <a:fld id="{30F2B1E1-AD3C-4FCC-A976-FD19D513AD37}" type="slidenum">
               <a:t>&lt;#&gt;</a:t>
             </a:fld>
           </a:p>
@@ -114,7 +114,7 @@
       </p:grpSpPr>
       <p:sp>
         <p:nvSpPr>
-          <p:cNvPr id="26" name="PlaceHolder 1"/>
+          <p:cNvPr id="24" name="PlaceHolder 1"/>
           <p:cNvSpPr>
             <a:spLocks noGrp="1"/>
           </p:cNvSpPr>
@@ -151,7 +151,7 @@
       </p:sp>
       <p:sp>
         <p:nvSpPr>
-          <p:cNvPr id="27" name="PlaceHolder 2"/>
+          <p:cNvPr id="25" name="PlaceHolder 2"/>
           <p:cNvSpPr>
             <a:spLocks noGrp="1"/>
           </p:cNvSpPr>
@@ -185,7 +185,7 @@
       </p:sp>
       <p:sp>
         <p:nvSpPr>
-          <p:cNvPr id="28" name="PlaceHolder 3"/>
+          <p:cNvPr id="26" name="PlaceHolder 3"/>
           <p:cNvSpPr>
             <a:spLocks noGrp="1"/>
           </p:cNvSpPr>
@@ -251,7 +251,7 @@
         <p:txBody>
           <a:bodyPr/>
           <a:p>
-            <a:fld id="{DDAA3A8F-3A55-41EC-BF2F-7B987C3B38E5}" type="slidenum">
+            <a:fld id="{4FFD1281-3E94-4098-AD31-496F30A43E3E}" type="slidenum">
               <a:t>&lt;#&gt;</a:t>
             </a:fld>
           </a:p>
@@ -302,7 +302,7 @@
       </p:grpSpPr>
       <p:sp>
         <p:nvSpPr>
-          <p:cNvPr id="29" name="PlaceHolder 1"/>
+          <p:cNvPr id="27" name="PlaceHolder 1"/>
           <p:cNvSpPr>
             <a:spLocks noGrp="1"/>
           </p:cNvSpPr>
@@ -339,7 +339,7 @@
       </p:sp>
       <p:sp>
         <p:nvSpPr>
-          <p:cNvPr id="30" name="PlaceHolder 2"/>
+          <p:cNvPr id="28" name="PlaceHolder 2"/>
           <p:cNvSpPr>
             <a:spLocks noGrp="1"/>
           </p:cNvSpPr>
@@ -373,7 +373,7 @@
       </p:sp>
       <p:sp>
         <p:nvSpPr>
-          <p:cNvPr id="31" name="PlaceHolder 3"/>
+          <p:cNvPr id="29" name="PlaceHolder 3"/>
           <p:cNvSpPr>
             <a:spLocks noGrp="1"/>
           </p:cNvSpPr>
@@ -407,7 +407,7 @@
       </p:sp>
       <p:sp>
         <p:nvSpPr>
-          <p:cNvPr id="32" name="PlaceHolder 4"/>
+          <p:cNvPr id="30" name="PlaceHolder 4"/>
           <p:cNvSpPr>
             <a:spLocks noGrp="1"/>
           </p:cNvSpPr>
@@ -441,7 +441,7 @@
       </p:sp>
       <p:sp>
         <p:nvSpPr>
-          <p:cNvPr id="33" name="PlaceHolder 5"/>
+          <p:cNvPr id="31" name="PlaceHolder 5"/>
           <p:cNvSpPr>
             <a:spLocks noGrp="1"/>
           </p:cNvSpPr>
@@ -507,7 +507,7 @@
         <p:txBody>
           <a:bodyPr/>
           <a:p>
-            <a:fld id="{BC25C399-2F38-4949-924C-74BA0DD2139D}" type="slidenum">
+            <a:fld id="{526CD611-265B-4735-B4C6-E677193B7D3C}" type="slidenum">
               <a:t>&lt;#&gt;</a:t>
             </a:fld>
           </a:p>
@@ -558,7 +558,7 @@
       </p:grpSpPr>
       <p:sp>
         <p:nvSpPr>
-          <p:cNvPr id="34" name="PlaceHolder 1"/>
+          <p:cNvPr id="32" name="PlaceHolder 1"/>
           <p:cNvSpPr>
             <a:spLocks noGrp="1"/>
           </p:cNvSpPr>
@@ -595,7 +595,7 @@
       </p:sp>
       <p:sp>
         <p:nvSpPr>
-          <p:cNvPr id="35" name="PlaceHolder 2"/>
+          <p:cNvPr id="33" name="PlaceHolder 2"/>
           <p:cNvSpPr>
             <a:spLocks noGrp="1"/>
           </p:cNvSpPr>
@@ -629,7 +629,7 @@
       </p:sp>
       <p:sp>
         <p:nvSpPr>
-          <p:cNvPr id="36" name="PlaceHolder 3"/>
+          <p:cNvPr id="34" name="PlaceHolder 3"/>
           <p:cNvSpPr>
             <a:spLocks noGrp="1"/>
           </p:cNvSpPr>
@@ -663,7 +663,7 @@
       </p:sp>
       <p:sp>
         <p:nvSpPr>
-          <p:cNvPr id="37" name="PlaceHolder 4"/>
+          <p:cNvPr id="35" name="PlaceHolder 4"/>
           <p:cNvSpPr>
             <a:spLocks noGrp="1"/>
           </p:cNvSpPr>
@@ -697,7 +697,7 @@
       </p:sp>
       <p:sp>
         <p:nvSpPr>
-          <p:cNvPr id="38" name="PlaceHolder 5"/>
+          <p:cNvPr id="36" name="PlaceHolder 5"/>
           <p:cNvSpPr>
             <a:spLocks noGrp="1"/>
           </p:cNvSpPr>
@@ -731,7 +731,7 @@
       </p:sp>
       <p:sp>
         <p:nvSpPr>
-          <p:cNvPr id="39" name="PlaceHolder 6"/>
+          <p:cNvPr id="37" name="PlaceHolder 6"/>
           <p:cNvSpPr>
             <a:spLocks noGrp="1"/>
           </p:cNvSpPr>
@@ -765,7 +765,7 @@
       </p:sp>
       <p:sp>
         <p:nvSpPr>
-          <p:cNvPr id="40" name="PlaceHolder 7"/>
+          <p:cNvPr id="38" name="PlaceHolder 7"/>
           <p:cNvSpPr>
             <a:spLocks noGrp="1"/>
           </p:cNvSpPr>
@@ -831,7 +831,7 @@
         <p:txBody>
           <a:bodyPr/>
           <a:p>
-            <a:fld id="{208531E6-7182-42CA-A65B-E2B9E94B35CC}" type="slidenum">
+            <a:fld id="{55FE2D9C-A778-4954-BDB3-89E8A38AB197}" type="slidenum">
               <a:t>&lt;#&gt;</a:t>
             </a:fld>
           </a:p>
@@ -882,7 +882,7 @@
       </p:grpSpPr>
       <p:sp>
         <p:nvSpPr>
-          <p:cNvPr id="5" name="PlaceHolder 1"/>
+          <p:cNvPr id="3" name="PlaceHolder 1"/>
           <p:cNvSpPr>
             <a:spLocks noGrp="1"/>
           </p:cNvSpPr>
@@ -919,7 +919,7 @@
       </p:sp>
       <p:sp>
         <p:nvSpPr>
-          <p:cNvPr id="6" name="PlaceHolder 2"/>
+          <p:cNvPr id="4" name="PlaceHolder 2"/>
           <p:cNvSpPr>
             <a:spLocks noGrp="1"/>
           </p:cNvSpPr>
@@ -988,7 +988,7 @@
         <p:txBody>
           <a:bodyPr/>
           <a:p>
-            <a:fld id="{5271FE90-407E-4A06-9D08-F9D1994CED61}" type="slidenum">
+            <a:fld id="{186B86C0-CA61-4D5E-B073-70D6B37CB61F}" type="slidenum">
               <a:t>&lt;#&gt;</a:t>
             </a:fld>
           </a:p>
@@ -1039,7 +1039,7 @@
       </p:grpSpPr>
       <p:sp>
         <p:nvSpPr>
-          <p:cNvPr id="7" name="PlaceHolder 1"/>
+          <p:cNvPr id="5" name="PlaceHolder 1"/>
           <p:cNvSpPr>
             <a:spLocks noGrp="1"/>
           </p:cNvSpPr>
@@ -1076,7 +1076,7 @@
       </p:sp>
       <p:sp>
         <p:nvSpPr>
-          <p:cNvPr id="8" name="PlaceHolder 2"/>
+          <p:cNvPr id="6" name="PlaceHolder 2"/>
           <p:cNvSpPr>
             <a:spLocks noGrp="1"/>
           </p:cNvSpPr>
@@ -1142,7 +1142,7 @@
         <p:txBody>
           <a:bodyPr/>
           <a:p>
-            <a:fld id="{784B22D3-8218-4B3C-8036-A727F249F497}" type="slidenum">
+            <a:fld id="{74DCE1B6-FE7D-440F-ABF4-673AA54B1F68}" type="slidenum">
               <a:t>&lt;#&gt;</a:t>
             </a:fld>
           </a:p>
@@ -1193,7 +1193,7 @@
       </p:grpSpPr>
       <p:sp>
         <p:nvSpPr>
-          <p:cNvPr id="9" name="PlaceHolder 1"/>
+          <p:cNvPr id="7" name="PlaceHolder 1"/>
           <p:cNvSpPr>
             <a:spLocks noGrp="1"/>
           </p:cNvSpPr>
@@ -1230,7 +1230,7 @@
       </p:sp>
       <p:sp>
         <p:nvSpPr>
-          <p:cNvPr id="10" name="PlaceHolder 2"/>
+          <p:cNvPr id="8" name="PlaceHolder 2"/>
           <p:cNvSpPr>
             <a:spLocks noGrp="1"/>
           </p:cNvSpPr>
@@ -1264,7 +1264,7 @@
       </p:sp>
       <p:sp>
         <p:nvSpPr>
-          <p:cNvPr id="11" name="PlaceHolder 3"/>
+          <p:cNvPr id="9" name="PlaceHolder 3"/>
           <p:cNvSpPr>
             <a:spLocks noGrp="1"/>
           </p:cNvSpPr>
@@ -1330,7 +1330,7 @@
         <p:txBody>
           <a:bodyPr/>
           <a:p>
-            <a:fld id="{7ACDC826-5B38-40EB-A7F8-7200B4A880F0}" type="slidenum">
+            <a:fld id="{7616C577-9CA2-4892-BE28-04BC3C61A7B4}" type="slidenum">
               <a:t>&lt;#&gt;</a:t>
             </a:fld>
           </a:p>
@@ -1381,7 +1381,7 @@
       </p:grpSpPr>
       <p:sp>
         <p:nvSpPr>
-          <p:cNvPr id="12" name="PlaceHolder 1"/>
+          <p:cNvPr id="10" name="PlaceHolder 1"/>
           <p:cNvSpPr>
             <a:spLocks noGrp="1"/>
           </p:cNvSpPr>
@@ -1450,7 +1450,7 @@
         <p:txBody>
           <a:bodyPr/>
           <a:p>
-            <a:fld id="{E8E27B3F-31D2-42C4-AEE8-BE9211A82B27}" type="slidenum">
+            <a:fld id="{086E25B0-465C-46A7-8D72-CEE17B557666}" type="slidenum">
               <a:t>&lt;#&gt;</a:t>
             </a:fld>
           </a:p>
@@ -1501,7 +1501,7 @@
       </p:grpSpPr>
       <p:sp>
         <p:nvSpPr>
-          <p:cNvPr id="13" name="PlaceHolder 1"/>
+          <p:cNvPr id="11" name="PlaceHolder 1"/>
           <p:cNvSpPr>
             <a:spLocks noGrp="1"/>
           </p:cNvSpPr>
@@ -1570,7 +1570,7 @@
         <p:txBody>
           <a:bodyPr/>
           <a:p>
-            <a:fld id="{426AFA4F-4B15-4291-9374-953719CCD5E9}" type="slidenum">
+            <a:fld id="{5177C624-BA45-4471-82E1-B343C236822E}" type="slidenum">
               <a:t>&lt;#&gt;</a:t>
             </a:fld>
           </a:p>
@@ -1621,7 +1621,7 @@
       </p:grpSpPr>
       <p:sp>
         <p:nvSpPr>
-          <p:cNvPr id="14" name="PlaceHolder 1"/>
+          <p:cNvPr id="12" name="PlaceHolder 1"/>
           <p:cNvSpPr>
             <a:spLocks noGrp="1"/>
           </p:cNvSpPr>
@@ -1658,7 +1658,7 @@
       </p:sp>
       <p:sp>
         <p:nvSpPr>
-          <p:cNvPr id="15" name="PlaceHolder 2"/>
+          <p:cNvPr id="13" name="PlaceHolder 2"/>
           <p:cNvSpPr>
             <a:spLocks noGrp="1"/>
           </p:cNvSpPr>
@@ -1692,7 +1692,7 @@
       </p:sp>
       <p:sp>
         <p:nvSpPr>
-          <p:cNvPr id="16" name="PlaceHolder 3"/>
+          <p:cNvPr id="14" name="PlaceHolder 3"/>
           <p:cNvSpPr>
             <a:spLocks noGrp="1"/>
           </p:cNvSpPr>
@@ -1726,7 +1726,7 @@
       </p:sp>
       <p:sp>
         <p:nvSpPr>
-          <p:cNvPr id="17" name="PlaceHolder 4"/>
+          <p:cNvPr id="15" name="PlaceHolder 4"/>
           <p:cNvSpPr>
             <a:spLocks noGrp="1"/>
           </p:cNvSpPr>
@@ -1792,7 +1792,7 @@
         <p:txBody>
           <a:bodyPr/>
           <a:p>
-            <a:fld id="{9C8DB52D-0481-4017-A5F9-2EAE8B7F34F3}" type="slidenum">
+            <a:fld id="{233512C6-1215-41CB-9124-79521033230B}" type="slidenum">
               <a:t>&lt;#&gt;</a:t>
             </a:fld>
           </a:p>
@@ -1843,7 +1843,7 @@
       </p:grpSpPr>
       <p:sp>
         <p:nvSpPr>
-          <p:cNvPr id="18" name="PlaceHolder 1"/>
+          <p:cNvPr id="16" name="PlaceHolder 1"/>
           <p:cNvSpPr>
             <a:spLocks noGrp="1"/>
           </p:cNvSpPr>
@@ -1880,7 +1880,7 @@
       </p:sp>
       <p:sp>
         <p:nvSpPr>
-          <p:cNvPr id="19" name="PlaceHolder 2"/>
+          <p:cNvPr id="17" name="PlaceHolder 2"/>
           <p:cNvSpPr>
             <a:spLocks noGrp="1"/>
           </p:cNvSpPr>
@@ -1914,7 +1914,7 @@
       </p:sp>
       <p:sp>
         <p:nvSpPr>
-          <p:cNvPr id="20" name="PlaceHolder 3"/>
+          <p:cNvPr id="18" name="PlaceHolder 3"/>
           <p:cNvSpPr>
             <a:spLocks noGrp="1"/>
           </p:cNvSpPr>
@@ -1948,7 +1948,7 @@
       </p:sp>
       <p:sp>
         <p:nvSpPr>
-          <p:cNvPr id="21" name="PlaceHolder 4"/>
+          <p:cNvPr id="19" name="PlaceHolder 4"/>
           <p:cNvSpPr>
             <a:spLocks noGrp="1"/>
           </p:cNvSpPr>
@@ -2014,7 +2014,7 @@
         <p:txBody>
           <a:bodyPr/>
           <a:p>
-            <a:fld id="{1CD3E18B-5E3F-430E-BA0D-08F86D16C19E}" type="slidenum">
+            <a:fld id="{9CE18931-F2FD-4D8C-B983-C15C319D42A0}" type="slidenum">
               <a:t>&lt;#&gt;</a:t>
             </a:fld>
           </a:p>
@@ -2065,7 +2065,7 @@
       </p:grpSpPr>
       <p:sp>
         <p:nvSpPr>
-          <p:cNvPr id="22" name="PlaceHolder 1"/>
+          <p:cNvPr id="20" name="PlaceHolder 1"/>
           <p:cNvSpPr>
             <a:spLocks noGrp="1"/>
           </p:cNvSpPr>
@@ -2102,7 +2102,7 @@
       </p:sp>
       <p:sp>
         <p:nvSpPr>
-          <p:cNvPr id="23" name="PlaceHolder 2"/>
+          <p:cNvPr id="21" name="PlaceHolder 2"/>
           <p:cNvSpPr>
             <a:spLocks noGrp="1"/>
           </p:cNvSpPr>
@@ -2136,7 +2136,7 @@
       </p:sp>
       <p:sp>
         <p:nvSpPr>
-          <p:cNvPr id="24" name="PlaceHolder 3"/>
+          <p:cNvPr id="22" name="PlaceHolder 3"/>
           <p:cNvSpPr>
             <a:spLocks noGrp="1"/>
           </p:cNvSpPr>
@@ -2170,7 +2170,7 @@
       </p:sp>
       <p:sp>
         <p:nvSpPr>
-          <p:cNvPr id="25" name="PlaceHolder 4"/>
+          <p:cNvPr id="23" name="PlaceHolder 4"/>
           <p:cNvSpPr>
             <a:spLocks noGrp="1"/>
           </p:cNvSpPr>
@@ -2236,7 +2236,7 @@
         <p:txBody>
           <a:bodyPr/>
           <a:p>
-            <a:fld id="{11CEB3B5-80E9-472D-A249-F1AE59B37ABD}" type="slidenum">
+            <a:fld id="{94B97476-A667-4C2C-B25D-E57AA0C5C6D9}" type="slidenum">
               <a:t>&lt;#&gt;</a:t>
             </a:fld>
           </a:p>
@@ -2305,7 +2305,7 @@
         <p:spPr>
           <a:xfrm>
             <a:off x="4038480" y="6356520"/>
-            <a:ext cx="4113720" cy="363960"/>
+            <a:ext cx="4113360" cy="363600"/>
           </a:xfrm>
           <a:prstGeom prst="rect">
             <a:avLst/>
@@ -2362,7 +2362,7 @@
         <p:spPr>
           <a:xfrm>
             <a:off x="8610480" y="6356520"/>
-            <a:ext cx="2742120" cy="363960"/>
+            <a:ext cx="2741760" cy="363600"/>
           </a:xfrm>
           <a:prstGeom prst="rect">
             <a:avLst/>
@@ -2397,7 +2397,7 @@
               </a:lnSpc>
               <a:buNone/>
             </a:pPr>
-            <a:fld id="{8B82DFF0-5D86-4076-BE74-9262D74E1F1A}" type="slidenum">
+            <a:fld id="{CEA18116-1712-46DC-8C32-44275F6B48B3}" type="slidenum">
               <a:rPr b="0" lang="en-US" sz="1200" spc="-1" strike="noStrike">
                 <a:solidFill>
                   <a:srgbClr val="8b8b8b"/>
@@ -2425,7 +2425,7 @@
         <p:spPr>
           <a:xfrm>
             <a:off x="838080" y="6356520"/>
-            <a:ext cx="2742120" cy="363960"/>
+            <a:ext cx="2741760" cy="363600"/>
           </a:xfrm>
           <a:prstGeom prst="rect">
             <a:avLst/>
@@ -2455,232 +2455,6 @@
             </a:r>
             <a:endParaRPr b="0" lang="en-US" sz="1400" spc="-1" strike="noStrike">
               <a:latin typeface="Times New Roman"/>
-            </a:endParaRPr>
-          </a:p>
-        </p:txBody>
-      </p:sp>
-      <p:sp>
-        <p:nvSpPr>
-          <p:cNvPr id="3" name="PlaceHolder 4"/>
-          <p:cNvSpPr>
-            <a:spLocks noGrp="1"/>
-          </p:cNvSpPr>
-          <p:nvPr>
-            <p:ph type="title"/>
-          </p:nvPr>
-        </p:nvSpPr>
-        <p:spPr>
-          <a:xfrm>
-            <a:off x="609480" y="273600"/>
-            <a:ext cx="10972440" cy="1144800"/>
-          </a:xfrm>
-          <a:prstGeom prst="rect">
-            <a:avLst/>
-          </a:prstGeom>
-          <a:noFill/>
-          <a:ln w="0">
-            <a:noFill/>
-          </a:ln>
-        </p:spPr>
-        <p:txBody>
-          <a:bodyPr lIns="0" rIns="0" tIns="0" bIns="0" anchor="ctr">
-            <a:noAutofit/>
-          </a:bodyPr>
-          <a:p>
-            <a:pPr algn="ctr">
-              <a:buNone/>
-            </a:pPr>
-            <a:r>
-              <a:rPr b="0" lang="en-US" sz="4400" spc="-1" strike="noStrike">
-                <a:latin typeface="Arial"/>
-              </a:rPr>
-              <a:t>Click to edit the title text format</a:t>
-            </a:r>
-            <a:endParaRPr b="0" lang="en-US" sz="4400" spc="-1" strike="noStrike">
-              <a:latin typeface="Arial"/>
-            </a:endParaRPr>
-          </a:p>
-        </p:txBody>
-      </p:sp>
-      <p:sp>
-        <p:nvSpPr>
-          <p:cNvPr id="4" name="PlaceHolder 5"/>
-          <p:cNvSpPr>
-            <a:spLocks noGrp="1"/>
-          </p:cNvSpPr>
-          <p:nvPr>
-            <p:ph type="body"/>
-          </p:nvPr>
-        </p:nvSpPr>
-        <p:spPr>
-          <a:xfrm>
-            <a:off x="609480" y="1604520"/>
-            <a:ext cx="10972440" cy="3977280"/>
-          </a:xfrm>
-          <a:prstGeom prst="rect">
-            <a:avLst/>
-          </a:prstGeom>
-          <a:noFill/>
-          <a:ln w="0">
-            <a:noFill/>
-          </a:ln>
-        </p:spPr>
-        <p:txBody>
-          <a:bodyPr lIns="0" rIns="0" tIns="0" bIns="0" anchor="t">
-            <a:normAutofit/>
-          </a:bodyPr>
-          <a:p>
-            <a:pPr marL="432000" indent="-324000">
-              <a:spcBef>
-                <a:spcPts val="1417"/>
-              </a:spcBef>
-              <a:buClr>
-                <a:srgbClr val="000000"/>
-              </a:buClr>
-              <a:buSzPct val="45000"/>
-              <a:buFont typeface="Wingdings" charset="2"/>
-              <a:buChar char=""/>
-            </a:pPr>
-            <a:r>
-              <a:rPr b="0" lang="en-US" sz="3200" spc="-1" strike="noStrike">
-                <a:latin typeface="Arial"/>
-              </a:rPr>
-              <a:t>Click to edit the outline text format</a:t>
-            </a:r>
-            <a:endParaRPr b="0" lang="en-US" sz="3200" spc="-1" strike="noStrike">
-              <a:latin typeface="Arial"/>
-            </a:endParaRPr>
-          </a:p>
-          <a:p>
-            <a:pPr lvl="1" marL="864000" indent="-324000">
-              <a:spcBef>
-                <a:spcPts val="1134"/>
-              </a:spcBef>
-              <a:buClr>
-                <a:srgbClr val="000000"/>
-              </a:buClr>
-              <a:buSzPct val="75000"/>
-              <a:buFont typeface="Symbol" charset="2"/>
-              <a:buChar char=""/>
-            </a:pPr>
-            <a:r>
-              <a:rPr b="0" lang="en-US" sz="2800" spc="-1" strike="noStrike">
-                <a:latin typeface="Arial"/>
-              </a:rPr>
-              <a:t>Second Outline Level</a:t>
-            </a:r>
-            <a:endParaRPr b="0" lang="en-US" sz="2800" spc="-1" strike="noStrike">
-              <a:latin typeface="Arial"/>
-            </a:endParaRPr>
-          </a:p>
-          <a:p>
-            <a:pPr lvl="2" marL="1296000" indent="-288000">
-              <a:spcBef>
-                <a:spcPts val="850"/>
-              </a:spcBef>
-              <a:buClr>
-                <a:srgbClr val="000000"/>
-              </a:buClr>
-              <a:buSzPct val="45000"/>
-              <a:buFont typeface="Wingdings" charset="2"/>
-              <a:buChar char=""/>
-            </a:pPr>
-            <a:r>
-              <a:rPr b="0" lang="en-US" sz="2400" spc="-1" strike="noStrike">
-                <a:latin typeface="Arial"/>
-              </a:rPr>
-              <a:t>Third Outline Level</a:t>
-            </a:r>
-            <a:endParaRPr b="0" lang="en-US" sz="2400" spc="-1" strike="noStrike">
-              <a:latin typeface="Arial"/>
-            </a:endParaRPr>
-          </a:p>
-          <a:p>
-            <a:pPr lvl="3" marL="1728000" indent="-216000">
-              <a:spcBef>
-                <a:spcPts val="567"/>
-              </a:spcBef>
-              <a:buClr>
-                <a:srgbClr val="000000"/>
-              </a:buClr>
-              <a:buSzPct val="75000"/>
-              <a:buFont typeface="Symbol" charset="2"/>
-              <a:buChar char=""/>
-            </a:pPr>
-            <a:r>
-              <a:rPr b="0" lang="en-US" sz="2000" spc="-1" strike="noStrike">
-                <a:latin typeface="Arial"/>
-              </a:rPr>
-              <a:t>Fourth Outline Level</a:t>
-            </a:r>
-            <a:endParaRPr b="0" lang="en-US" sz="2000" spc="-1" strike="noStrike">
-              <a:latin typeface="Arial"/>
-            </a:endParaRPr>
-          </a:p>
-          <a:p>
-            <a:pPr lvl="4" marL="2160000" indent="-216000">
-              <a:spcBef>
-                <a:spcPts val="283"/>
-              </a:spcBef>
-              <a:buClr>
-                <a:srgbClr val="000000"/>
-              </a:buClr>
-              <a:buSzPct val="45000"/>
-              <a:buFont typeface="Wingdings" charset="2"/>
-              <a:buChar char=""/>
-            </a:pPr>
-            <a:r>
-              <a:rPr b="0" lang="en-US" sz="2000" spc="-1" strike="noStrike">
-                <a:latin typeface="Arial"/>
-              </a:rPr>
-              <a:t>Fifth Outline Level</a:t>
-            </a:r>
-            <a:endParaRPr b="0" lang="en-US" sz="2000" spc="-1" strike="noStrike">
-              <a:latin typeface="Arial"/>
-            </a:endParaRPr>
-          </a:p>
-          <a:p>
-            <a:pPr lvl="5" marL="2592000" indent="-216000">
-              <a:spcBef>
-                <a:spcPts val="283"/>
-              </a:spcBef>
-              <a:buClr>
-                <a:srgbClr val="000000"/>
-              </a:buClr>
-              <a:buSzPct val="45000"/>
-              <a:buFont typeface="Wingdings" charset="2"/>
-              <a:buChar char=""/>
-            </a:pPr>
-            <a:r>
-              <a:rPr b="0" lang="en-US" sz="2000" spc="-1" strike="noStrike">
-                <a:latin typeface="Arial"/>
-              </a:rPr>
-              <a:t>Sixth Outline Level</a:t>
-            </a:r>
-            <a:endParaRPr b="0" lang="en-US" sz="2000" spc="-1" strike="noStrike">
-              <a:latin typeface="Arial"/>
-            </a:endParaRPr>
-          </a:p>
-          <a:p>
-            <a:pPr lvl="6" marL="3024000" indent="-216000">
-              <a:spcBef>
-                <a:spcPts val="283"/>
-              </a:spcBef>
-              <a:buClr>
-                <a:srgbClr val="000000"/>
-              </a:buClr>
-              <a:buSzPct val="45000"/>
-              <a:buFont typeface="Wingdings" charset="2"/>
-              <a:buChar char=""/>
-            </a:pPr>
-            <a:r>
-              <a:rPr b="0" lang="en-US" sz="2000" spc="-1" strike="noStrike">
-                <a:latin typeface="Arial"/>
-              </a:rPr>
-              <a:t>Seventh Outline Level</a:t>
-            </a:r>
-            <a:endParaRPr b="0" lang="en-US" sz="2000" spc="-1" strike="noStrike">
-              <a:latin typeface="Arial"/>
             </a:endParaRPr>
           </a:p>
         </p:txBody>
@@ -2724,14 +2498,45 @@
       </p:grpSpPr>
       <p:sp>
         <p:nvSpPr>
-          <p:cNvPr id="41" name="Oval 3"/>
+          <p:cNvPr id="39" name=""/>
           <p:cNvSpPr/>
           <p:nvPr/>
         </p:nvSpPr>
         <p:spPr>
           <a:xfrm>
+            <a:off x="3200400" y="2057400"/>
+            <a:ext cx="5486400" cy="2286000"/>
+          </a:xfrm>
+          <a:prstGeom prst="rect">
+            <a:avLst/>
+          </a:prstGeom>
+          <a:solidFill>
+            <a:srgbClr val="ffffff"/>
+          </a:solidFill>
+          <a:ln w="6480">
+            <a:solidFill>
+              <a:srgbClr val="000000"/>
+            </a:solidFill>
+            <a:round/>
+          </a:ln>
+        </p:spPr>
+        <p:style>
+          <a:lnRef idx="0"/>
+          <a:fillRef idx="0"/>
+          <a:effectRef idx="0"/>
+          <a:fontRef idx="minor"/>
+        </p:style>
+      </p:sp>
+      <p:sp>
+        <p:nvSpPr>
+          <p:cNvPr id="40" name="Oval 3"/>
+          <p:cNvSpPr/>
+          <p:nvPr/>
+        </p:nvSpPr>
+        <p:spPr>
+          <a:xfrm>
             <a:off x="3501360" y="2514600"/>
-            <a:ext cx="287640" cy="287640"/>
+            <a:ext cx="287280" cy="287280"/>
           </a:xfrm>
           <a:prstGeom prst="ellipse">
             <a:avLst/>
@@ -2762,7 +2567,7 @@
       </p:sp>
       <p:sp>
         <p:nvSpPr>
-          <p:cNvPr id="42" name="Straight Connector 5"/>
+          <p:cNvPr id="41" name="Straight Connector 5"/>
           <p:cNvSpPr/>
           <p:nvPr/>
         </p:nvSpPr>
@@ -2774,7 +2579,7 @@
           <a:prstGeom prst="line">
             <a:avLst/>
           </a:prstGeom>
-          <a:ln>
+          <a:ln w="29160">
             <a:solidFill>
               <a:srgbClr val="4472c4"/>
             </a:solidFill>
@@ -2795,7 +2600,7 @@
       </p:sp>
       <p:sp>
         <p:nvSpPr>
-          <p:cNvPr id="43" name="Straight Connector 7"/>
+          <p:cNvPr id="42" name="Straight Connector 7"/>
           <p:cNvSpPr/>
           <p:nvPr/>
         </p:nvSpPr>
@@ -2807,7 +2612,7 @@
           <a:prstGeom prst="line">
             <a:avLst/>
           </a:prstGeom>
-          <a:ln w="12700">
+          <a:ln w="29160">
             <a:solidFill>
               <a:srgbClr val="000000"/>
             </a:solidFill>
@@ -2828,7 +2633,7 @@
       </p:sp>
       <p:sp>
         <p:nvSpPr>
-          <p:cNvPr id="44" name="Straight Connector 10"/>
+          <p:cNvPr id="43" name="Straight Connector 10"/>
           <p:cNvSpPr/>
           <p:nvPr/>
         </p:nvSpPr>
@@ -2840,7 +2645,7 @@
           <a:prstGeom prst="line">
             <a:avLst/>
           </a:prstGeom>
-          <a:ln w="12700">
+          <a:ln w="29160">
             <a:solidFill>
               <a:srgbClr val="000000"/>
             </a:solidFill>
@@ -2861,7 +2666,7 @@
       </p:sp>
       <p:sp>
         <p:nvSpPr>
-          <p:cNvPr id="45" name="Straight Connector 12"/>
+          <p:cNvPr id="44" name="Straight Connector 12"/>
           <p:cNvSpPr/>
           <p:nvPr/>
         </p:nvSpPr>
@@ -2873,7 +2678,7 @@
           <a:prstGeom prst="line">
             <a:avLst/>
           </a:prstGeom>
-          <a:ln w="12700">
+          <a:ln w="29160">
             <a:solidFill>
               <a:srgbClr val="000000"/>
             </a:solidFill>
@@ -2894,7 +2699,7 @@
       </p:sp>
       <p:sp>
         <p:nvSpPr>
-          <p:cNvPr id="46" name="Straight Connector 13"/>
+          <p:cNvPr id="45" name="Straight Connector 13"/>
           <p:cNvSpPr/>
           <p:nvPr/>
         </p:nvSpPr>
@@ -2906,7 +2711,7 @@
           <a:prstGeom prst="line">
             <a:avLst/>
           </a:prstGeom>
-          <a:ln w="12700">
+          <a:ln w="29160">
             <a:solidFill>
               <a:srgbClr val="000000"/>
             </a:solidFill>
@@ -2927,7 +2732,7 @@
       </p:sp>
       <p:sp>
         <p:nvSpPr>
-          <p:cNvPr id="47" name="Straight Connector 17"/>
+          <p:cNvPr id="46" name="Straight Connector 17"/>
           <p:cNvSpPr/>
           <p:nvPr/>
         </p:nvSpPr>
@@ -2939,7 +2744,7 @@
           <a:prstGeom prst="line">
             <a:avLst/>
           </a:prstGeom>
-          <a:ln w="12700">
+          <a:ln w="29160">
             <a:solidFill>
               <a:srgbClr val="000000"/>
             </a:solidFill>
@@ -2960,14 +2765,14 @@
       </p:sp>
       <p:sp>
         <p:nvSpPr>
-          <p:cNvPr id="48" name="Rectangle 18"/>
+          <p:cNvPr id="47" name="Rectangle 18"/>
           <p:cNvSpPr/>
           <p:nvPr/>
         </p:nvSpPr>
         <p:spPr>
           <a:xfrm>
             <a:off x="4750560" y="2330280"/>
-            <a:ext cx="1163160" cy="441360"/>
+            <a:ext cx="1162800" cy="441000"/>
           </a:xfrm>
           <a:prstGeom prst="rect">
             <a:avLst/>
@@ -3043,14 +2848,14 @@
       </p:sp>
       <p:sp>
         <p:nvSpPr>
-          <p:cNvPr id="49" name="Rectangle 20"/>
+          <p:cNvPr id="48" name="Rectangle 20"/>
           <p:cNvSpPr/>
           <p:nvPr/>
         </p:nvSpPr>
         <p:spPr>
           <a:xfrm>
             <a:off x="4750560" y="2772720"/>
-            <a:ext cx="1163160" cy="441360"/>
+            <a:ext cx="1162800" cy="441000"/>
           </a:xfrm>
           <a:prstGeom prst="rect">
             <a:avLst/>
@@ -3126,14 +2931,14 @@
       </p:sp>
       <p:sp>
         <p:nvSpPr>
-          <p:cNvPr id="50" name="Rectangle 21"/>
+          <p:cNvPr id="49" name="Rectangle 21"/>
           <p:cNvSpPr/>
           <p:nvPr/>
         </p:nvSpPr>
         <p:spPr>
           <a:xfrm>
             <a:off x="4750560" y="3215160"/>
-            <a:ext cx="1163160" cy="441360"/>
+            <a:ext cx="1162800" cy="441000"/>
           </a:xfrm>
           <a:prstGeom prst="rect">
             <a:avLst/>
@@ -3188,18 +2993,74 @@
       </p:sp>
       <p:grpSp>
         <p:nvGrpSpPr>
-          <p:cNvPr id="51" name="Group 25"/>
+          <p:cNvPr id="50" name="Group 25"/>
           <p:cNvGrpSpPr/>
           <p:nvPr/>
         </p:nvGrpSpPr>
         <p:grpSpPr>
           <a:xfrm>
-            <a:off x="6117120" y="3097080"/>
-            <a:ext cx="578880" cy="906120"/>
-            <a:chOff x="6117120" y="3097080"/>
-            <a:chExt cx="578880" cy="906120"/>
+            <a:off x="6117120" y="3097440"/>
+            <a:ext cx="578520" cy="905760"/>
+            <a:chOff x="6117120" y="3097440"/>
+            <a:chExt cx="578520" cy="905760"/>
           </a:xfrm>
         </p:grpSpPr>
+        <p:sp>
+          <p:nvSpPr>
+            <p:cNvPr id="51" name="Oval 22"/>
+            <p:cNvSpPr/>
+            <p:nvPr/>
+          </p:nvSpPr>
+          <p:spPr>
+            <a:xfrm rot="16200000">
+              <a:off x="5987880" y="3479040"/>
+              <a:ext cx="400680" cy="142560"/>
+            </a:xfrm>
+            <a:custGeom>
+              <a:avLst/>
+              <a:gdLst/>
+              <a:ahLst/>
+              <a:rect l="l" t="t" r="r" b="b"/>
+              <a:pathLst>
+                <a:path w="567268" h="179917">
+                  <a:moveTo>
+                    <a:pt x="567268" y="0"/>
+                  </a:moveTo>
+                  <a:cubicBezTo>
+                    <a:pt x="567268" y="99365"/>
+                    <a:pt x="440281" y="179917"/>
+                    <a:pt x="283634" y="179917"/>
+                  </a:cubicBezTo>
+                  <a:cubicBezTo>
+                    <a:pt x="126987" y="179917"/>
+                    <a:pt x="3175" y="68792"/>
+                    <a:pt x="0" y="0"/>
+                  </a:cubicBezTo>
+                </a:path>
+              </a:pathLst>
+            </a:custGeom>
+            <a:noFill/>
+            <a:ln>
+              <a:solidFill>
+                <a:srgbClr val="000000"/>
+              </a:solidFill>
+            </a:ln>
+          </p:spPr>
+          <p:style>
+            <a:lnRef idx="2">
+              <a:schemeClr val="accent1">
+                <a:shade val="15000"/>
+              </a:schemeClr>
+            </a:lnRef>
+            <a:fillRef idx="1">
+              <a:schemeClr val="accent1"/>
+            </a:fillRef>
+            <a:effectRef idx="0">
+              <a:schemeClr val="accent1"/>
+            </a:effectRef>
+            <a:fontRef idx="minor"/>
+          </p:style>
+        </p:sp>
         <p:sp>
           <p:nvSpPr>
             <p:cNvPr id="52" name="Oval 22"/>
@@ -3208,8 +3069,8 @@
           </p:nvSpPr>
           <p:spPr>
             <a:xfrm rot="16200000">
-              <a:off x="5987880" y="3478680"/>
-              <a:ext cx="401040" cy="142920"/>
+              <a:off x="5994360" y="3461040"/>
+              <a:ext cx="754200" cy="178560"/>
             </a:xfrm>
             <a:custGeom>
               <a:avLst/>
@@ -3264,8 +3125,8 @@
           </p:nvSpPr>
           <p:spPr>
             <a:xfrm rot="16200000">
-              <a:off x="5994360" y="3460680"/>
-              <a:ext cx="754560" cy="178920"/>
+              <a:off x="6138720" y="3446280"/>
+              <a:ext cx="905760" cy="208080"/>
             </a:xfrm>
             <a:custGeom>
               <a:avLst/>
@@ -3312,16 +3173,31 @@
             <a:fontRef idx="minor"/>
           </p:style>
         </p:sp>
+      </p:grpSp>
+      <p:grpSp>
+        <p:nvGrpSpPr>
+          <p:cNvPr id="54" name="Group 26"/>
+          <p:cNvGrpSpPr/>
+          <p:nvPr/>
+        </p:nvGrpSpPr>
+        <p:grpSpPr>
+          <a:xfrm>
+            <a:off x="6638400" y="3063960"/>
+            <a:ext cx="578520" cy="905760"/>
+            <a:chOff x="6638400" y="3063960"/>
+            <a:chExt cx="578520" cy="905760"/>
+          </a:xfrm>
+        </p:grpSpPr>
         <p:sp>
           <p:nvSpPr>
-            <p:cNvPr id="54" name="Oval 22"/>
+            <p:cNvPr id="55" name="Oval 22"/>
             <p:cNvSpPr/>
             <p:nvPr/>
           </p:nvSpPr>
           <p:spPr>
-            <a:xfrm rot="16200000">
-              <a:off x="6138720" y="3445920"/>
-              <a:ext cx="906120" cy="208440"/>
+            <a:xfrm flipV="1" rot="16200000">
+              <a:off x="6945120" y="3445200"/>
+              <a:ext cx="400680" cy="142560"/>
             </a:xfrm>
             <a:custGeom>
               <a:avLst/>
@@ -3368,21 +3244,6 @@
             <a:fontRef idx="minor"/>
           </p:style>
         </p:sp>
-      </p:grpSp>
-      <p:grpSp>
-        <p:nvGrpSpPr>
-          <p:cNvPr id="55" name="Group 26"/>
-          <p:cNvGrpSpPr/>
-          <p:nvPr/>
-        </p:nvGrpSpPr>
-        <p:grpSpPr>
-          <a:xfrm>
-            <a:off x="6638040" y="3064320"/>
-            <a:ext cx="578880" cy="906120"/>
-            <a:chOff x="6638040" y="3064320"/>
-            <a:chExt cx="578880" cy="906120"/>
-          </a:xfrm>
-        </p:grpSpPr>
         <p:sp>
           <p:nvSpPr>
             <p:cNvPr id="56" name="Oval 22"/>
@@ -3391,8 +3252,8 @@
           </p:nvSpPr>
           <p:spPr>
             <a:xfrm flipV="1" rot="16200000">
-              <a:off x="6944760" y="3445920"/>
-              <a:ext cx="401040" cy="142920"/>
+              <a:off x="6585120" y="3427200"/>
+              <a:ext cx="754200" cy="178560"/>
             </a:xfrm>
             <a:custGeom>
               <a:avLst/>
@@ -3447,8 +3308,8 @@
           </p:nvSpPr>
           <p:spPr>
             <a:xfrm flipV="1" rot="16200000">
-              <a:off x="6584760" y="3427920"/>
-              <a:ext cx="754560" cy="178920"/>
+              <a:off x="6289560" y="3412800"/>
+              <a:ext cx="905760" cy="208080"/>
             </a:xfrm>
             <a:custGeom>
               <a:avLst/>
@@ -3495,73 +3356,17 @@
             <a:fontRef idx="minor"/>
           </p:style>
         </p:sp>
-        <p:sp>
-          <p:nvSpPr>
-            <p:cNvPr id="58" name="Oval 22"/>
-            <p:cNvSpPr/>
-            <p:nvPr/>
-          </p:nvSpPr>
-          <p:spPr>
-            <a:xfrm flipV="1" rot="16200000">
-              <a:off x="6289200" y="3412800"/>
-              <a:ext cx="906120" cy="208440"/>
-            </a:xfrm>
-            <a:custGeom>
-              <a:avLst/>
-              <a:gdLst/>
-              <a:ahLst/>
-              <a:rect l="l" t="t" r="r" b="b"/>
-              <a:pathLst>
-                <a:path w="567268" h="179917">
-                  <a:moveTo>
-                    <a:pt x="567268" y="0"/>
-                  </a:moveTo>
-                  <a:cubicBezTo>
-                    <a:pt x="567268" y="99365"/>
-                    <a:pt x="440281" y="179917"/>
-                    <a:pt x="283634" y="179917"/>
-                  </a:cubicBezTo>
-                  <a:cubicBezTo>
-                    <a:pt x="126987" y="179917"/>
-                    <a:pt x="3175" y="68792"/>
-                    <a:pt x="0" y="0"/>
-                  </a:cubicBezTo>
-                </a:path>
-              </a:pathLst>
-            </a:custGeom>
-            <a:noFill/>
-            <a:ln>
-              <a:solidFill>
-                <a:srgbClr val="000000"/>
-              </a:solidFill>
-            </a:ln>
-          </p:spPr>
-          <p:style>
-            <a:lnRef idx="2">
-              <a:schemeClr val="accent1">
-                <a:shade val="15000"/>
-              </a:schemeClr>
-            </a:lnRef>
-            <a:fillRef idx="1">
-              <a:schemeClr val="accent1"/>
-            </a:fillRef>
-            <a:effectRef idx="0">
-              <a:schemeClr val="accent1"/>
-            </a:effectRef>
-            <a:fontRef idx="minor"/>
-          </p:style>
-        </p:sp>
       </p:grpSp>
       <p:sp>
         <p:nvSpPr>
-          <p:cNvPr id="59" name="Rectangle 30"/>
+          <p:cNvPr id="58" name="Rectangle 30"/>
           <p:cNvSpPr/>
           <p:nvPr/>
         </p:nvSpPr>
         <p:spPr>
           <a:xfrm>
             <a:off x="7362720" y="3216240"/>
-            <a:ext cx="1163160" cy="441360"/>
+            <a:ext cx="1162800" cy="441000"/>
           </a:xfrm>
           <a:prstGeom prst="rect">
             <a:avLst/>
@@ -3616,14 +3421,14 @@
       </p:sp>
       <p:sp>
         <p:nvSpPr>
-          <p:cNvPr id="60" name="Rectangle 31"/>
+          <p:cNvPr id="59" name="Rectangle 31"/>
           <p:cNvSpPr/>
           <p:nvPr/>
         </p:nvSpPr>
         <p:spPr>
           <a:xfrm>
             <a:off x="7364880" y="3657600"/>
-            <a:ext cx="1163160" cy="388440"/>
+            <a:ext cx="1162800" cy="388080"/>
           </a:xfrm>
           <a:prstGeom prst="rect">
             <a:avLst/>
@@ -3678,14 +3483,14 @@
       </p:sp>
       <p:sp>
         <p:nvSpPr>
-          <p:cNvPr id="61" name="Rectangle 1"/>
+          <p:cNvPr id="60" name="Rectangle 1"/>
           <p:cNvSpPr/>
           <p:nvPr/>
         </p:nvSpPr>
         <p:spPr>
           <a:xfrm>
             <a:off x="4750560" y="3657600"/>
-            <a:ext cx="1163160" cy="441360"/>
+            <a:ext cx="1162800" cy="441000"/>
           </a:xfrm>
           <a:prstGeom prst="rect">
             <a:avLst/>
@@ -3738,6 +3543,33 @@
           </a:p>
         </p:txBody>
       </p:sp>
+      <p:cxnSp>
+        <p:nvCxnSpPr>
+          <p:cNvPr id="61" name=""/>
+          <p:cNvCxnSpPr>
+            <a:stCxn id="47" idx="1"/>
+            <a:endCxn id="42" idx="0"/>
+          </p:cNvCxnSpPr>
+          <p:nvPr/>
+        </p:nvCxnSpPr>
+        <p:spPr>
+          <a:xfrm flipH="1">
+            <a:off x="3650760" y="2550600"/>
+            <a:ext cx="1100160" cy="541800"/>
+          </a:xfrm>
+          <a:prstGeom prst="curvedConnector3">
+            <a:avLst/>
+          </a:prstGeom>
+          <a:ln w="29160">
+            <a:solidFill>
+              <a:srgbClr val="000000"/>
+            </a:solidFill>
+            <a:round/>
+            <a:headEnd len="med" type="triangle" w="med"/>
+            <a:tailEnd len="med" type="triangle" w="med"/>
+          </a:ln>
+        </p:spPr>
+      </p:cxnSp>
     </p:spTree>
   </p:cSld>
   <mc:AlternateContent>
